--- a/2017/XENS-PSI-2017-RobotVolc/images/Figures.pptx
+++ b/2017/XENS-PSI-2017-RobotVolc/images/Figures.pptx
@@ -6,6 +6,7 @@
   </p:sldMasterIdLst>
   <p:sldIdLst>
     <p:sldId id="256" r:id="rId2"/>
+    <p:sldId id="257" r:id="rId3"/>
   </p:sldIdLst>
   <p:sldSz cx="12192000" cy="6858000"/>
   <p:notesSz cx="6858000" cy="9144000"/>
@@ -104,6 +105,11 @@
       </a:defRPr>
     </a:lvl9pPr>
   </p:defaultTextStyle>
+  <p:extLst>
+    <p:ext uri="{EFAFB233-063F-42B5-8137-9DF3F51BA10A}">
+      <p15:sldGuideLst xmlns:p15="http://schemas.microsoft.com/office/powerpoint/2012/main"/>
+    </p:ext>
+  </p:extLst>
 </p:presentation>
 </file>
 
@@ -254,7 +260,7 @@
           <a:p>
             <a:fld id="{52221978-ADEF-42A5-B775-70CFF3457E28}" type="datetimeFigureOut">
               <a:rPr lang="fr-FR" smtClean="0"/>
-              <a:t>26/09/2022</a:t>
+              <a:t>13/10/2024</a:t>
             </a:fld>
             <a:endParaRPr lang="fr-FR"/>
           </a:p>
@@ -452,7 +458,7 @@
           <a:p>
             <a:fld id="{52221978-ADEF-42A5-B775-70CFF3457E28}" type="datetimeFigureOut">
               <a:rPr lang="fr-FR" smtClean="0"/>
-              <a:t>26/09/2022</a:t>
+              <a:t>13/10/2024</a:t>
             </a:fld>
             <a:endParaRPr lang="fr-FR"/>
           </a:p>
@@ -660,7 +666,7 @@
           <a:p>
             <a:fld id="{52221978-ADEF-42A5-B775-70CFF3457E28}" type="datetimeFigureOut">
               <a:rPr lang="fr-FR" smtClean="0"/>
-              <a:t>26/09/2022</a:t>
+              <a:t>13/10/2024</a:t>
             </a:fld>
             <a:endParaRPr lang="fr-FR"/>
           </a:p>
@@ -858,7 +864,7 @@
           <a:p>
             <a:fld id="{52221978-ADEF-42A5-B775-70CFF3457E28}" type="datetimeFigureOut">
               <a:rPr lang="fr-FR" smtClean="0"/>
-              <a:t>26/09/2022</a:t>
+              <a:t>13/10/2024</a:t>
             </a:fld>
             <a:endParaRPr lang="fr-FR"/>
           </a:p>
@@ -1133,7 +1139,7 @@
           <a:p>
             <a:fld id="{52221978-ADEF-42A5-B775-70CFF3457E28}" type="datetimeFigureOut">
               <a:rPr lang="fr-FR" smtClean="0"/>
-              <a:t>26/09/2022</a:t>
+              <a:t>13/10/2024</a:t>
             </a:fld>
             <a:endParaRPr lang="fr-FR"/>
           </a:p>
@@ -1398,7 +1404,7 @@
           <a:p>
             <a:fld id="{52221978-ADEF-42A5-B775-70CFF3457E28}" type="datetimeFigureOut">
               <a:rPr lang="fr-FR" smtClean="0"/>
-              <a:t>26/09/2022</a:t>
+              <a:t>13/10/2024</a:t>
             </a:fld>
             <a:endParaRPr lang="fr-FR"/>
           </a:p>
@@ -1810,7 +1816,7 @@
           <a:p>
             <a:fld id="{52221978-ADEF-42A5-B775-70CFF3457E28}" type="datetimeFigureOut">
               <a:rPr lang="fr-FR" smtClean="0"/>
-              <a:t>26/09/2022</a:t>
+              <a:t>13/10/2024</a:t>
             </a:fld>
             <a:endParaRPr lang="fr-FR"/>
           </a:p>
@@ -1951,7 +1957,7 @@
           <a:p>
             <a:fld id="{52221978-ADEF-42A5-B775-70CFF3457E28}" type="datetimeFigureOut">
               <a:rPr lang="fr-FR" smtClean="0"/>
-              <a:t>26/09/2022</a:t>
+              <a:t>13/10/2024</a:t>
             </a:fld>
             <a:endParaRPr lang="fr-FR"/>
           </a:p>
@@ -2064,7 +2070,7 @@
           <a:p>
             <a:fld id="{52221978-ADEF-42A5-B775-70CFF3457E28}" type="datetimeFigureOut">
               <a:rPr lang="fr-FR" smtClean="0"/>
-              <a:t>26/09/2022</a:t>
+              <a:t>13/10/2024</a:t>
             </a:fld>
             <a:endParaRPr lang="fr-FR"/>
           </a:p>
@@ -2375,7 +2381,7 @@
           <a:p>
             <a:fld id="{52221978-ADEF-42A5-B775-70CFF3457E28}" type="datetimeFigureOut">
               <a:rPr lang="fr-FR" smtClean="0"/>
-              <a:t>26/09/2022</a:t>
+              <a:t>13/10/2024</a:t>
             </a:fld>
             <a:endParaRPr lang="fr-FR"/>
           </a:p>
@@ -2663,7 +2669,7 @@
           <a:p>
             <a:fld id="{52221978-ADEF-42A5-B775-70CFF3457E28}" type="datetimeFigureOut">
               <a:rPr lang="fr-FR" smtClean="0"/>
-              <a:t>26/09/2022</a:t>
+              <a:t>13/10/2024</a:t>
             </a:fld>
             <a:endParaRPr lang="fr-FR"/>
           </a:p>
@@ -2904,7 +2910,7 @@
           <a:p>
             <a:fld id="{52221978-ADEF-42A5-B775-70CFF3457E28}" type="datetimeFigureOut">
               <a:rPr lang="fr-FR" smtClean="0"/>
-              <a:t>26/09/2022</a:t>
+              <a:t>13/10/2024</a:t>
             </a:fld>
             <a:endParaRPr lang="fr-FR"/>
           </a:p>
@@ -3321,8 +3327,8 @@
           <a:chExt cx="0" cy="0"/>
         </a:xfrm>
       </p:grpSpPr>
-      <mc:AlternateContent xmlns:mc="http://schemas.openxmlformats.org/markup-compatibility/2006">
-        <mc:Choice xmlns:a14="http://schemas.microsoft.com/office/drawing/2010/main" Requires="a14">
+      <mc:AlternateContent xmlns:mc="http://schemas.openxmlformats.org/markup-compatibility/2006" xmlns:a14="http://schemas.microsoft.com/office/drawing/2010/main">
+        <mc:Choice Requires="a14">
           <p:graphicFrame>
             <p:nvGraphicFramePr>
               <p:cNvPr id="4" name="Tableau 4">
@@ -3420,6 +3426,7 @@
                         <a:bodyPr/>
                         <a:lstStyle/>
                         <a:p>
+                          <a:pPr/>
                           <a14:m>
                             <m:oMathPara xmlns:m="http://schemas.openxmlformats.org/officeDocument/2006/math">
                               <m:oMathParaPr>
@@ -3451,6 +3458,7 @@
                         <a:bodyPr/>
                         <a:lstStyle/>
                         <a:p>
+                          <a:pPr/>
                           <a14:m>
                             <m:oMathPara xmlns:m="http://schemas.openxmlformats.org/officeDocument/2006/math">
                               <m:oMathParaPr>
@@ -3538,6 +3546,7 @@
                         <a:bodyPr/>
                         <a:lstStyle/>
                         <a:p>
+                          <a:pPr/>
                           <a14:m>
                             <m:oMathPara xmlns:m="http://schemas.openxmlformats.org/officeDocument/2006/math">
                               <m:oMathParaPr>
@@ -3625,6 +3634,7 @@
                         <a:bodyPr/>
                         <a:lstStyle/>
                         <a:p>
+                          <a:pPr/>
                           <a14:m>
                             <m:oMathPara xmlns:m="http://schemas.openxmlformats.org/officeDocument/2006/math">
                               <m:oMathParaPr>
@@ -3663,6 +3673,7 @@
                         <a:bodyPr/>
                         <a:lstStyle/>
                         <a:p>
+                          <a:pPr/>
                           <a14:m>
                             <m:oMathPara xmlns:m="http://schemas.openxmlformats.org/officeDocument/2006/math">
                               <m:oMathParaPr>
@@ -3707,6 +3718,7 @@
                         <a:bodyPr/>
                         <a:lstStyle/>
                         <a:p>
+                          <a:pPr/>
                           <a14:m>
                             <m:oMathPara xmlns:m="http://schemas.openxmlformats.org/officeDocument/2006/math">
                               <m:oMathParaPr>
@@ -3767,6 +3779,7 @@
                           <a:endParaRPr lang="fr-FR" i="0" dirty="0"/>
                         </a:p>
                         <a:p>
+                          <a:pPr/>
                           <a14:m>
                             <m:oMathPara xmlns:m="http://schemas.openxmlformats.org/officeDocument/2006/math">
                               <m:oMathParaPr>
@@ -4003,6 +4016,7 @@
                         <a:bodyPr/>
                         <a:lstStyle/>
                         <a:p>
+                          <a:pPr/>
                           <a14:m>
                             <m:oMathPara xmlns:m="http://schemas.openxmlformats.org/officeDocument/2006/math">
                               <m:oMathParaPr>
@@ -4319,13 +4333,7 @@
                                   <a:rPr lang="fr-FR" b="0" i="1" smtClean="0">
                                     <a:latin typeface="Cambria Math" panose="02040503050406030204" pitchFamily="18" charset="0"/>
                                   </a:rPr>
-                                  <m:t>9</m:t>
-                                </m:r>
-                                <m:r>
-                                  <a:rPr lang="fr-FR" b="0" i="1" smtClean="0">
-                                    <a:latin typeface="Cambria Math" panose="02040503050406030204" pitchFamily="18" charset="0"/>
-                                  </a:rPr>
-                                  <m:t>0°</m:t>
+                                  <m:t>90°</m:t>
                                 </m:r>
                               </m:oMath>
                             </m:oMathPara>
@@ -4357,6 +4365,7 @@
                         <a:bodyPr/>
                         <a:lstStyle/>
                         <a:p>
+                          <a:pPr/>
                           <a14:m>
                             <m:oMathPara xmlns:m="http://schemas.openxmlformats.org/officeDocument/2006/math">
                               <m:oMathParaPr>
@@ -4595,13 +4604,7 @@
                                   <a:rPr lang="fr-FR" b="0" i="1" smtClean="0">
                                     <a:latin typeface="Cambria Math" panose="02040503050406030204" pitchFamily="18" charset="0"/>
                                   </a:rPr>
-                                  <m:t>−9</m:t>
-                                </m:r>
-                                <m:r>
-                                  <a:rPr lang="fr-FR" b="0" i="1" smtClean="0">
-                                    <a:latin typeface="Cambria Math" panose="02040503050406030204" pitchFamily="18" charset="0"/>
-                                  </a:rPr>
-                                  <m:t>0°</m:t>
+                                  <m:t>−90°</m:t>
                                 </m:r>
                               </m:oMath>
                             </m:oMathPara>
@@ -4698,13 +4701,7 @@
                                   <a:rPr lang="fr-FR" b="0" i="1" smtClean="0">
                                     <a:latin typeface="Cambria Math" panose="02040503050406030204" pitchFamily="18" charset="0"/>
                                   </a:rPr>
-                                  <m:t>−</m:t>
-                                </m:r>
-                                <m:r>
-                                  <a:rPr lang="fr-FR" b="0" i="1" smtClean="0">
-                                    <a:latin typeface="Cambria Math" panose="02040503050406030204" pitchFamily="18" charset="0"/>
-                                  </a:rPr>
-                                  <m:t>90°</m:t>
+                                  <m:t>−90°</m:t>
                                 </m:r>
                               </m:oMath>
                             </m:oMathPara>
@@ -4736,6 +4733,7 @@
                         <a:bodyPr/>
                         <a:lstStyle/>
                         <a:p>
+                          <a:pPr/>
                           <a14:m>
                             <m:oMathPara xmlns:m="http://schemas.openxmlformats.org/officeDocument/2006/math">
                               <m:oMathParaPr>
@@ -4893,13 +4891,7 @@
                                   <a:rPr lang="fr-FR" b="0" i="1" smtClean="0">
                                     <a:latin typeface="Cambria Math" panose="02040503050406030204" pitchFamily="18" charset="0"/>
                                   </a:rPr>
-                                  <m:t>−4</m:t>
-                                </m:r>
-                                <m:r>
-                                  <a:rPr lang="fr-FR" b="0" i="1" smtClean="0">
-                                    <a:latin typeface="Cambria Math" panose="02040503050406030204" pitchFamily="18" charset="0"/>
-                                  </a:rPr>
-                                  <m:t>0 </m:t>
+                                  <m:t>−40 </m:t>
                                 </m:r>
                                 <m:r>
                                   <m:rPr>
@@ -4960,19 +4952,7 @@
                                   <a:rPr lang="fr-FR" b="0" i="1" smtClean="0">
                                     <a:latin typeface="Cambria Math" panose="02040503050406030204" pitchFamily="18" charset="0"/>
                                   </a:rPr>
-                                  <m:t>−</m:t>
-                                </m:r>
-                                <m:r>
-                                  <a:rPr lang="fr-FR" b="0" i="1" smtClean="0">
-                                    <a:latin typeface="Cambria Math" panose="02040503050406030204" pitchFamily="18" charset="0"/>
-                                  </a:rPr>
-                                  <m:t>18</m:t>
-                                </m:r>
-                                <m:r>
-                                  <a:rPr lang="fr-FR" b="0" i="1" smtClean="0">
-                                    <a:latin typeface="Cambria Math" panose="02040503050406030204" pitchFamily="18" charset="0"/>
-                                  </a:rPr>
-                                  <m:t>0°</m:t>
+                                  <m:t>−180°</m:t>
                                 </m:r>
                               </m:oMath>
                             </m:oMathPara>
@@ -5100,7 +5080,7 @@
             </a:graphic>
           </p:graphicFrame>
         </mc:Choice>
-        <mc:Fallback>
+        <mc:Fallback xmlns="">
           <p:graphicFrame>
             <p:nvGraphicFramePr>
               <p:cNvPr id="4" name="Tableau 4">
@@ -5726,6 +5706,2201 @@
 </p:sld>
 </file>
 
+<file path=ppt/slides/slide2.xml><?xml version="1.0" encoding="utf-8"?>
+<p:sld xmlns:a="http://schemas.openxmlformats.org/drawingml/2006/main" xmlns:r="http://schemas.openxmlformats.org/officeDocument/2006/relationships" xmlns:p="http://schemas.openxmlformats.org/presentationml/2006/main">
+  <p:cSld>
+    <p:spTree>
+      <p:nvGrpSpPr>
+        <p:cNvPr id="1" name=""/>
+        <p:cNvGrpSpPr/>
+        <p:nvPr/>
+      </p:nvGrpSpPr>
+      <p:grpSpPr>
+        <a:xfrm>
+          <a:off x="0" y="0"/>
+          <a:ext cx="0" cy="0"/>
+          <a:chOff x="0" y="0"/>
+          <a:chExt cx="0" cy="0"/>
+        </a:xfrm>
+      </p:grpSpPr>
+      <p:cxnSp>
+        <p:nvCxnSpPr>
+          <p:cNvPr id="66" name="Connecteur droit 65">
+            <a:extLst>
+              <a:ext uri="{FF2B5EF4-FFF2-40B4-BE49-F238E27FC236}">
+                <a16:creationId xmlns:a16="http://schemas.microsoft.com/office/drawing/2014/main" id="{515FAEF9-FAC5-A345-6476-E49B1C1CA3DC}"/>
+              </a:ext>
+            </a:extLst>
+          </p:cNvPr>
+          <p:cNvCxnSpPr>
+            <a:cxnSpLocks/>
+          </p:cNvCxnSpPr>
+          <p:nvPr/>
+        </p:nvCxnSpPr>
+        <p:spPr>
+          <a:xfrm flipV="1">
+            <a:off x="2858680" y="812800"/>
+            <a:ext cx="0" cy="678912"/>
+          </a:xfrm>
+          <a:prstGeom prst="line">
+            <a:avLst/>
+          </a:prstGeom>
+          <a:ln w="19050">
+            <a:solidFill>
+              <a:schemeClr val="tx1"/>
+            </a:solidFill>
+            <a:tailEnd type="stealth" w="med" len="lg"/>
+          </a:ln>
+        </p:spPr>
+        <p:style>
+          <a:lnRef idx="1">
+            <a:schemeClr val="accent1"/>
+          </a:lnRef>
+          <a:fillRef idx="0">
+            <a:schemeClr val="accent1"/>
+          </a:fillRef>
+          <a:effectRef idx="0">
+            <a:schemeClr val="accent1"/>
+          </a:effectRef>
+          <a:fontRef idx="minor">
+            <a:schemeClr val="tx1"/>
+          </a:fontRef>
+        </p:style>
+      </p:cxnSp>
+      <p:cxnSp>
+        <p:nvCxnSpPr>
+          <p:cNvPr id="61" name="Connecteur droit 60">
+            <a:extLst>
+              <a:ext uri="{FF2B5EF4-FFF2-40B4-BE49-F238E27FC236}">
+                <a16:creationId xmlns:a16="http://schemas.microsoft.com/office/drawing/2014/main" id="{C15EBE74-260A-9C70-EB50-4D232839296E}"/>
+              </a:ext>
+            </a:extLst>
+          </p:cNvPr>
+          <p:cNvCxnSpPr>
+            <a:cxnSpLocks/>
+          </p:cNvCxnSpPr>
+          <p:nvPr/>
+        </p:nvCxnSpPr>
+        <p:spPr>
+          <a:xfrm flipV="1">
+            <a:off x="2858680" y="1569665"/>
+            <a:ext cx="0" cy="928926"/>
+          </a:xfrm>
+          <a:prstGeom prst="line">
+            <a:avLst/>
+          </a:prstGeom>
+          <a:ln w="19050">
+            <a:solidFill>
+              <a:schemeClr val="tx1"/>
+            </a:solidFill>
+            <a:tailEnd type="stealth" w="med" len="lg"/>
+          </a:ln>
+        </p:spPr>
+        <p:style>
+          <a:lnRef idx="1">
+            <a:schemeClr val="accent1"/>
+          </a:lnRef>
+          <a:fillRef idx="0">
+            <a:schemeClr val="accent1"/>
+          </a:fillRef>
+          <a:effectRef idx="0">
+            <a:schemeClr val="accent1"/>
+          </a:effectRef>
+          <a:fontRef idx="minor">
+            <a:schemeClr val="tx1"/>
+          </a:fontRef>
+        </p:style>
+      </p:cxnSp>
+      <p:cxnSp>
+        <p:nvCxnSpPr>
+          <p:cNvPr id="59" name="Connecteur droit 58">
+            <a:extLst>
+              <a:ext uri="{FF2B5EF4-FFF2-40B4-BE49-F238E27FC236}">
+                <a16:creationId xmlns:a16="http://schemas.microsoft.com/office/drawing/2014/main" id="{342F42EA-4ABB-63B5-B9AC-D41FB9FFD1F8}"/>
+              </a:ext>
+            </a:extLst>
+          </p:cNvPr>
+          <p:cNvCxnSpPr>
+            <a:cxnSpLocks/>
+          </p:cNvCxnSpPr>
+          <p:nvPr/>
+        </p:nvCxnSpPr>
+        <p:spPr>
+          <a:xfrm rot="5400000" flipV="1">
+            <a:off x="9694280" y="1626110"/>
+            <a:ext cx="0" cy="1440160"/>
+          </a:xfrm>
+          <a:prstGeom prst="line">
+            <a:avLst/>
+          </a:prstGeom>
+          <a:ln w="19050">
+            <a:solidFill>
+              <a:schemeClr val="tx1"/>
+            </a:solidFill>
+            <a:tailEnd type="stealth" w="med" len="lg"/>
+          </a:ln>
+        </p:spPr>
+        <p:style>
+          <a:lnRef idx="1">
+            <a:schemeClr val="accent1"/>
+          </a:lnRef>
+          <a:fillRef idx="0">
+            <a:schemeClr val="accent1"/>
+          </a:fillRef>
+          <a:effectRef idx="0">
+            <a:schemeClr val="accent1"/>
+          </a:effectRef>
+          <a:fontRef idx="minor">
+            <a:schemeClr val="tx1"/>
+          </a:fontRef>
+        </p:style>
+      </p:cxnSp>
+      <p:grpSp>
+        <p:nvGrpSpPr>
+          <p:cNvPr id="10" name="Groupe 9">
+            <a:extLst>
+              <a:ext uri="{FF2B5EF4-FFF2-40B4-BE49-F238E27FC236}">
+                <a16:creationId xmlns:a16="http://schemas.microsoft.com/office/drawing/2014/main" id="{ADC8735A-603B-6546-FD29-D8B5DE8AA30A}"/>
+              </a:ext>
+            </a:extLst>
+          </p:cNvPr>
+          <p:cNvGrpSpPr/>
+          <p:nvPr/>
+        </p:nvGrpSpPr>
+        <p:grpSpPr>
+          <a:xfrm>
+            <a:off x="2494280" y="1986190"/>
+            <a:ext cx="7200000" cy="720000"/>
+            <a:chOff x="2494280" y="1986190"/>
+            <a:chExt cx="7200000" cy="720000"/>
+          </a:xfrm>
+        </p:grpSpPr>
+        <p:sp>
+          <p:nvSpPr>
+            <p:cNvPr id="5" name="Rectangle 4">
+              <a:extLst>
+                <a:ext uri="{FF2B5EF4-FFF2-40B4-BE49-F238E27FC236}">
+                  <a16:creationId xmlns:a16="http://schemas.microsoft.com/office/drawing/2014/main" id="{681A57A4-69CD-66D9-5BBC-121418E642F3}"/>
+                </a:ext>
+              </a:extLst>
+            </p:cNvPr>
+            <p:cNvSpPr/>
+            <p:nvPr/>
+          </p:nvSpPr>
+          <p:spPr>
+            <a:xfrm>
+              <a:off x="2494280" y="1986190"/>
+              <a:ext cx="7200000" cy="720000"/>
+            </a:xfrm>
+            <a:prstGeom prst="rect">
+              <a:avLst/>
+            </a:prstGeom>
+            <a:solidFill>
+              <a:schemeClr val="tx2">
+                <a:lumMod val="20000"/>
+                <a:lumOff val="80000"/>
+              </a:schemeClr>
+            </a:solidFill>
+            <a:ln>
+              <a:solidFill>
+                <a:schemeClr val="tx2"/>
+              </a:solidFill>
+            </a:ln>
+          </p:spPr>
+          <p:style>
+            <a:lnRef idx="2">
+              <a:schemeClr val="accent1">
+                <a:shade val="15000"/>
+              </a:schemeClr>
+            </a:lnRef>
+            <a:fillRef idx="1">
+              <a:schemeClr val="accent1"/>
+            </a:fillRef>
+            <a:effectRef idx="0">
+              <a:schemeClr val="accent1"/>
+            </a:effectRef>
+            <a:fontRef idx="minor">
+              <a:schemeClr val="lt1"/>
+            </a:fontRef>
+          </p:style>
+          <p:txBody>
+            <a:bodyPr rtlCol="0" anchor="ctr"/>
+            <a:lstStyle/>
+            <a:p>
+              <a:pPr algn="ctr"/>
+              <a:endParaRPr lang="fr-FR"/>
+            </a:p>
+          </p:txBody>
+        </p:sp>
+        <p:sp>
+          <p:nvSpPr>
+            <p:cNvPr id="6" name="Ellipse 5">
+              <a:extLst>
+                <a:ext uri="{FF2B5EF4-FFF2-40B4-BE49-F238E27FC236}">
+                  <a16:creationId xmlns:a16="http://schemas.microsoft.com/office/drawing/2014/main" id="{5F0239A5-7E27-D770-FC09-58FB286DB8D7}"/>
+                </a:ext>
+              </a:extLst>
+            </p:cNvPr>
+            <p:cNvSpPr/>
+            <p:nvPr/>
+          </p:nvSpPr>
+          <p:spPr>
+            <a:xfrm>
+              <a:off x="2678680" y="2166190"/>
+              <a:ext cx="360000" cy="360000"/>
+            </a:xfrm>
+            <a:prstGeom prst="ellipse">
+              <a:avLst/>
+            </a:prstGeom>
+            <a:solidFill>
+              <a:schemeClr val="bg1"/>
+            </a:solidFill>
+            <a:ln>
+              <a:solidFill>
+                <a:schemeClr val="tx2"/>
+              </a:solidFill>
+            </a:ln>
+          </p:spPr>
+          <p:style>
+            <a:lnRef idx="2">
+              <a:schemeClr val="accent1">
+                <a:shade val="15000"/>
+              </a:schemeClr>
+            </a:lnRef>
+            <a:fillRef idx="1">
+              <a:schemeClr val="accent1"/>
+            </a:fillRef>
+            <a:effectRef idx="0">
+              <a:schemeClr val="accent1"/>
+            </a:effectRef>
+            <a:fontRef idx="minor">
+              <a:schemeClr val="lt1"/>
+            </a:fontRef>
+          </p:style>
+          <p:txBody>
+            <a:bodyPr rtlCol="0" anchor="ctr"/>
+            <a:lstStyle/>
+            <a:p>
+              <a:pPr algn="ctr"/>
+              <a:endParaRPr lang="fr-FR" dirty="0"/>
+            </a:p>
+          </p:txBody>
+        </p:sp>
+        <p:sp>
+          <p:nvSpPr>
+            <p:cNvPr id="7" name="Ellipse 6">
+              <a:extLst>
+                <a:ext uri="{FF2B5EF4-FFF2-40B4-BE49-F238E27FC236}">
+                  <a16:creationId xmlns:a16="http://schemas.microsoft.com/office/drawing/2014/main" id="{DDEBD866-F4FC-AC38-0A99-30A53F28BE94}"/>
+                </a:ext>
+              </a:extLst>
+            </p:cNvPr>
+            <p:cNvSpPr/>
+            <p:nvPr/>
+          </p:nvSpPr>
+          <p:spPr>
+            <a:xfrm>
+              <a:off x="9153320" y="2166190"/>
+              <a:ext cx="360000" cy="360000"/>
+            </a:xfrm>
+            <a:prstGeom prst="ellipse">
+              <a:avLst/>
+            </a:prstGeom>
+            <a:solidFill>
+              <a:schemeClr val="bg1"/>
+            </a:solidFill>
+            <a:ln>
+              <a:solidFill>
+                <a:schemeClr val="tx2"/>
+              </a:solidFill>
+            </a:ln>
+          </p:spPr>
+          <p:style>
+            <a:lnRef idx="2">
+              <a:schemeClr val="accent1">
+                <a:shade val="15000"/>
+              </a:schemeClr>
+            </a:lnRef>
+            <a:fillRef idx="1">
+              <a:schemeClr val="accent1"/>
+            </a:fillRef>
+            <a:effectRef idx="0">
+              <a:schemeClr val="accent1"/>
+            </a:effectRef>
+            <a:fontRef idx="minor">
+              <a:schemeClr val="lt1"/>
+            </a:fontRef>
+          </p:style>
+          <p:txBody>
+            <a:bodyPr rtlCol="0" anchor="ctr"/>
+            <a:lstStyle/>
+            <a:p>
+              <a:pPr algn="ctr"/>
+              <a:endParaRPr lang="fr-FR"/>
+            </a:p>
+          </p:txBody>
+        </p:sp>
+        <p:sp>
+          <p:nvSpPr>
+            <p:cNvPr id="3" name="Ellipse 2">
+              <a:extLst>
+                <a:ext uri="{FF2B5EF4-FFF2-40B4-BE49-F238E27FC236}">
+                  <a16:creationId xmlns:a16="http://schemas.microsoft.com/office/drawing/2014/main" id="{3C05F911-F0D2-3AC7-DC76-89F78975C312}"/>
+                </a:ext>
+              </a:extLst>
+            </p:cNvPr>
+            <p:cNvSpPr/>
+            <p:nvPr/>
+          </p:nvSpPr>
+          <p:spPr>
+            <a:xfrm>
+              <a:off x="2831952" y="2318592"/>
+              <a:ext cx="55196" cy="55196"/>
+            </a:xfrm>
+            <a:prstGeom prst="ellipse">
+              <a:avLst/>
+            </a:prstGeom>
+            <a:solidFill>
+              <a:schemeClr val="tx1"/>
+            </a:solidFill>
+            <a:ln>
+              <a:solidFill>
+                <a:schemeClr val="tx1"/>
+              </a:solidFill>
+            </a:ln>
+          </p:spPr>
+          <p:style>
+            <a:lnRef idx="2">
+              <a:schemeClr val="accent1">
+                <a:shade val="15000"/>
+              </a:schemeClr>
+            </a:lnRef>
+            <a:fillRef idx="1">
+              <a:schemeClr val="accent1"/>
+            </a:fillRef>
+            <a:effectRef idx="0">
+              <a:schemeClr val="accent1"/>
+            </a:effectRef>
+            <a:fontRef idx="minor">
+              <a:schemeClr val="lt1"/>
+            </a:fontRef>
+          </p:style>
+          <p:txBody>
+            <a:bodyPr rtlCol="0" anchor="ctr"/>
+            <a:lstStyle/>
+            <a:p>
+              <a:pPr algn="ctr"/>
+              <a:endParaRPr lang="fr-FR"/>
+            </a:p>
+          </p:txBody>
+        </p:sp>
+        <p:sp>
+          <p:nvSpPr>
+            <p:cNvPr id="4" name="Ellipse 3">
+              <a:extLst>
+                <a:ext uri="{FF2B5EF4-FFF2-40B4-BE49-F238E27FC236}">
+                  <a16:creationId xmlns:a16="http://schemas.microsoft.com/office/drawing/2014/main" id="{43FB87D5-65D3-221A-9CC2-DA017B2D115F}"/>
+                </a:ext>
+              </a:extLst>
+            </p:cNvPr>
+            <p:cNvSpPr/>
+            <p:nvPr/>
+          </p:nvSpPr>
+          <p:spPr>
+            <a:xfrm>
+              <a:off x="6071080" y="2318592"/>
+              <a:ext cx="55196" cy="55196"/>
+            </a:xfrm>
+            <a:prstGeom prst="ellipse">
+              <a:avLst/>
+            </a:prstGeom>
+            <a:solidFill>
+              <a:schemeClr val="tx1"/>
+            </a:solidFill>
+            <a:ln>
+              <a:solidFill>
+                <a:schemeClr val="tx1"/>
+              </a:solidFill>
+            </a:ln>
+          </p:spPr>
+          <p:style>
+            <a:lnRef idx="2">
+              <a:schemeClr val="accent1">
+                <a:shade val="15000"/>
+              </a:schemeClr>
+            </a:lnRef>
+            <a:fillRef idx="1">
+              <a:schemeClr val="accent1"/>
+            </a:fillRef>
+            <a:effectRef idx="0">
+              <a:schemeClr val="accent1"/>
+            </a:effectRef>
+            <a:fontRef idx="minor">
+              <a:schemeClr val="lt1"/>
+            </a:fontRef>
+          </p:style>
+          <p:txBody>
+            <a:bodyPr rtlCol="0" anchor="ctr"/>
+            <a:lstStyle/>
+            <a:p>
+              <a:pPr algn="ctr"/>
+              <a:endParaRPr lang="fr-FR"/>
+            </a:p>
+          </p:txBody>
+        </p:sp>
+      </p:grpSp>
+      <p:cxnSp>
+        <p:nvCxnSpPr>
+          <p:cNvPr id="12" name="Connecteur droit 11">
+            <a:extLst>
+              <a:ext uri="{FF2B5EF4-FFF2-40B4-BE49-F238E27FC236}">
+                <a16:creationId xmlns:a16="http://schemas.microsoft.com/office/drawing/2014/main" id="{712931C5-19A6-7376-4C1F-105A18908350}"/>
+              </a:ext>
+            </a:extLst>
+          </p:cNvPr>
+          <p:cNvCxnSpPr>
+            <a:cxnSpLocks/>
+          </p:cNvCxnSpPr>
+          <p:nvPr/>
+        </p:nvCxnSpPr>
+        <p:spPr>
+          <a:xfrm>
+            <a:off x="2291080" y="2346190"/>
+            <a:ext cx="7560000" cy="0"/>
+          </a:xfrm>
+          <a:prstGeom prst="line">
+            <a:avLst/>
+          </a:prstGeom>
+          <a:ln>
+            <a:solidFill>
+              <a:schemeClr val="tx2"/>
+            </a:solidFill>
+            <a:prstDash val="lgDashDot"/>
+          </a:ln>
+        </p:spPr>
+        <p:style>
+          <a:lnRef idx="1">
+            <a:schemeClr val="accent1"/>
+          </a:lnRef>
+          <a:fillRef idx="0">
+            <a:schemeClr val="accent1"/>
+          </a:fillRef>
+          <a:effectRef idx="0">
+            <a:schemeClr val="accent1"/>
+          </a:effectRef>
+          <a:fontRef idx="minor">
+            <a:schemeClr val="tx1"/>
+          </a:fontRef>
+        </p:style>
+      </p:cxnSp>
+      <p:cxnSp>
+        <p:nvCxnSpPr>
+          <p:cNvPr id="17" name="Connecteur droit 16">
+            <a:extLst>
+              <a:ext uri="{FF2B5EF4-FFF2-40B4-BE49-F238E27FC236}">
+                <a16:creationId xmlns:a16="http://schemas.microsoft.com/office/drawing/2014/main" id="{8F705705-DE4F-62A9-218B-49E3C699BC6F}"/>
+              </a:ext>
+            </a:extLst>
+          </p:cNvPr>
+          <p:cNvCxnSpPr>
+            <a:cxnSpLocks/>
+          </p:cNvCxnSpPr>
+          <p:nvPr/>
+        </p:nvCxnSpPr>
+        <p:spPr>
+          <a:xfrm>
+            <a:off x="2494280" y="1863590"/>
+            <a:ext cx="7200000" cy="0"/>
+          </a:xfrm>
+          <a:prstGeom prst="line">
+            <a:avLst/>
+          </a:prstGeom>
+          <a:ln>
+            <a:solidFill>
+              <a:schemeClr val="tx2"/>
+            </a:solidFill>
+            <a:prstDash val="solid"/>
+            <a:headEnd type="stealth" w="med" len="lg"/>
+            <a:tailEnd type="stealth" w="med" len="lg"/>
+          </a:ln>
+        </p:spPr>
+        <p:style>
+          <a:lnRef idx="1">
+            <a:schemeClr val="accent1"/>
+          </a:lnRef>
+          <a:fillRef idx="0">
+            <a:schemeClr val="accent1"/>
+          </a:fillRef>
+          <a:effectRef idx="0">
+            <a:schemeClr val="accent1"/>
+          </a:effectRef>
+          <a:fontRef idx="minor">
+            <a:schemeClr val="tx1"/>
+          </a:fontRef>
+        </p:style>
+      </p:cxnSp>
+      <mc:AlternateContent xmlns:mc="http://schemas.openxmlformats.org/markup-compatibility/2006" xmlns:a14="http://schemas.microsoft.com/office/drawing/2010/main">
+        <mc:Choice Requires="a14">
+          <p:sp>
+            <p:nvSpPr>
+              <p:cNvPr id="19" name="Rectangle 18">
+                <a:extLst>
+                  <a:ext uri="{FF2B5EF4-FFF2-40B4-BE49-F238E27FC236}">
+                    <a16:creationId xmlns:a16="http://schemas.microsoft.com/office/drawing/2014/main" id="{820963F7-05D7-1042-DBA9-084C8323FA6A}"/>
+                  </a:ext>
+                </a:extLst>
+              </p:cNvPr>
+              <p:cNvSpPr/>
+              <p:nvPr/>
+            </p:nvSpPr>
+            <p:spPr>
+              <a:xfrm>
+                <a:off x="5711560" y="1524000"/>
+                <a:ext cx="765440" cy="462180"/>
+              </a:xfrm>
+              <a:prstGeom prst="rect">
+                <a:avLst/>
+              </a:prstGeom>
+              <a:noFill/>
+              <a:ln>
+                <a:noFill/>
+              </a:ln>
+            </p:spPr>
+            <p:style>
+              <a:lnRef idx="2">
+                <a:schemeClr val="accent1">
+                  <a:shade val="15000"/>
+                </a:schemeClr>
+              </a:lnRef>
+              <a:fillRef idx="1">
+                <a:schemeClr val="accent1"/>
+              </a:fillRef>
+              <a:effectRef idx="0">
+                <a:schemeClr val="accent1"/>
+              </a:effectRef>
+              <a:fontRef idx="minor">
+                <a:schemeClr val="lt1"/>
+              </a:fontRef>
+            </p:style>
+            <p:txBody>
+              <a:bodyPr rtlCol="0" anchor="ctr"/>
+              <a:lstStyle/>
+              <a:p>
+                <a:pPr algn="ctr"/>
+                <a14:m>
+                  <m:oMathPara xmlns:m="http://schemas.openxmlformats.org/officeDocument/2006/math">
+                    <m:oMathParaPr>
+                      <m:jc m:val="centerGroup"/>
+                    </m:oMathParaPr>
+                    <m:oMath xmlns:m="http://schemas.openxmlformats.org/officeDocument/2006/math">
+                      <m:r>
+                        <a:rPr lang="fr-FR" b="0" i="1" smtClean="0">
+                          <a:solidFill>
+                            <a:schemeClr val="tx1"/>
+                          </a:solidFill>
+                          <a:latin typeface="Cambria Math" panose="02040503050406030204" pitchFamily="18" charset="0"/>
+                        </a:rPr>
+                        <m:t>2</m:t>
+                      </m:r>
+                      <m:r>
+                        <a:rPr lang="fr-FR" b="0" i="1" smtClean="0">
+                          <a:solidFill>
+                            <a:schemeClr val="tx1"/>
+                          </a:solidFill>
+                          <a:latin typeface="Cambria Math" panose="02040503050406030204" pitchFamily="18" charset="0"/>
+                        </a:rPr>
+                        <m:t>𝐿</m:t>
+                      </m:r>
+                    </m:oMath>
+                  </m:oMathPara>
+                </a14:m>
+                <a:endParaRPr lang="fr-FR" dirty="0">
+                  <a:solidFill>
+                    <a:schemeClr val="tx1"/>
+                  </a:solidFill>
+                </a:endParaRPr>
+              </a:p>
+            </p:txBody>
+          </p:sp>
+        </mc:Choice>
+        <mc:Fallback xmlns="">
+          <p:sp>
+            <p:nvSpPr>
+              <p:cNvPr id="19" name="Rectangle 18">
+                <a:extLst>
+                  <a:ext uri="{FF2B5EF4-FFF2-40B4-BE49-F238E27FC236}">
+                    <a16:creationId xmlns:a16="http://schemas.microsoft.com/office/drawing/2014/main" id="{820963F7-05D7-1042-DBA9-084C8323FA6A}"/>
+                  </a:ext>
+                </a:extLst>
+              </p:cNvPr>
+              <p:cNvSpPr>
+                <a:spLocks noRot="1" noChangeAspect="1" noMove="1" noResize="1" noEditPoints="1" noAdjustHandles="1" noChangeArrowheads="1" noChangeShapeType="1" noTextEdit="1"/>
+              </p:cNvSpPr>
+              <p:nvPr/>
+            </p:nvSpPr>
+            <p:spPr>
+              <a:xfrm>
+                <a:off x="5711560" y="1524000"/>
+                <a:ext cx="765440" cy="462180"/>
+              </a:xfrm>
+              <a:prstGeom prst="rect">
+                <a:avLst/>
+              </a:prstGeom>
+              <a:blipFill>
+                <a:blip r:embed="rId2"/>
+                <a:stretch>
+                  <a:fillRect/>
+                </a:stretch>
+              </a:blipFill>
+              <a:ln>
+                <a:noFill/>
+              </a:ln>
+            </p:spPr>
+            <p:txBody>
+              <a:bodyPr/>
+              <a:lstStyle/>
+              <a:p>
+                <a:r>
+                  <a:rPr lang="fr-FR">
+                    <a:noFill/>
+                  </a:rPr>
+                  <a:t> </a:t>
+                </a:r>
+              </a:p>
+            </p:txBody>
+          </p:sp>
+        </mc:Fallback>
+      </mc:AlternateContent>
+      <p:cxnSp>
+        <p:nvCxnSpPr>
+          <p:cNvPr id="20" name="Connecteur droit 19">
+            <a:extLst>
+              <a:ext uri="{FF2B5EF4-FFF2-40B4-BE49-F238E27FC236}">
+                <a16:creationId xmlns:a16="http://schemas.microsoft.com/office/drawing/2014/main" id="{C30356D6-E68E-F1A9-E2A4-B71D888C4A11}"/>
+              </a:ext>
+            </a:extLst>
+          </p:cNvPr>
+          <p:cNvCxnSpPr>
+            <a:cxnSpLocks/>
+          </p:cNvCxnSpPr>
+          <p:nvPr/>
+        </p:nvCxnSpPr>
+        <p:spPr>
+          <a:xfrm>
+            <a:off x="2496000" y="2930390"/>
+            <a:ext cx="362680" cy="0"/>
+          </a:xfrm>
+          <a:prstGeom prst="line">
+            <a:avLst/>
+          </a:prstGeom>
+          <a:ln>
+            <a:solidFill>
+              <a:schemeClr val="tx2"/>
+            </a:solidFill>
+            <a:prstDash val="solid"/>
+            <a:headEnd type="stealth" w="med" len="lg"/>
+            <a:tailEnd type="stealth" w="med" len="lg"/>
+          </a:ln>
+        </p:spPr>
+        <p:style>
+          <a:lnRef idx="1">
+            <a:schemeClr val="accent1"/>
+          </a:lnRef>
+          <a:fillRef idx="0">
+            <a:schemeClr val="accent1"/>
+          </a:fillRef>
+          <a:effectRef idx="0">
+            <a:schemeClr val="accent1"/>
+          </a:effectRef>
+          <a:fontRef idx="minor">
+            <a:schemeClr val="tx1"/>
+          </a:fontRef>
+        </p:style>
+      </p:cxnSp>
+      <mc:AlternateContent xmlns:mc="http://schemas.openxmlformats.org/markup-compatibility/2006" xmlns:a14="http://schemas.microsoft.com/office/drawing/2010/main">
+        <mc:Choice Requires="a14">
+          <p:sp>
+            <p:nvSpPr>
+              <p:cNvPr id="22" name="Rectangle 21">
+                <a:extLst>
+                  <a:ext uri="{FF2B5EF4-FFF2-40B4-BE49-F238E27FC236}">
+                    <a16:creationId xmlns:a16="http://schemas.microsoft.com/office/drawing/2014/main" id="{E3B3B662-DA5D-D09C-C566-54DE73C2E04A}"/>
+                  </a:ext>
+                </a:extLst>
+              </p:cNvPr>
+              <p:cNvSpPr/>
+              <p:nvPr/>
+            </p:nvSpPr>
+            <p:spPr>
+              <a:xfrm>
+                <a:off x="2324780" y="2572787"/>
+                <a:ext cx="765440" cy="462180"/>
+              </a:xfrm>
+              <a:prstGeom prst="rect">
+                <a:avLst/>
+              </a:prstGeom>
+              <a:noFill/>
+              <a:ln>
+                <a:noFill/>
+              </a:ln>
+            </p:spPr>
+            <p:style>
+              <a:lnRef idx="2">
+                <a:schemeClr val="accent1">
+                  <a:shade val="15000"/>
+                </a:schemeClr>
+              </a:lnRef>
+              <a:fillRef idx="1">
+                <a:schemeClr val="accent1"/>
+              </a:fillRef>
+              <a:effectRef idx="0">
+                <a:schemeClr val="accent1"/>
+              </a:effectRef>
+              <a:fontRef idx="minor">
+                <a:schemeClr val="lt1"/>
+              </a:fontRef>
+            </p:style>
+            <p:txBody>
+              <a:bodyPr rtlCol="0" anchor="ctr"/>
+              <a:lstStyle/>
+              <a:p>
+                <a:pPr algn="ctr"/>
+                <a14:m>
+                  <m:oMathPara xmlns:m="http://schemas.openxmlformats.org/officeDocument/2006/math">
+                    <m:oMathParaPr>
+                      <m:jc m:val="centerGroup"/>
+                    </m:oMathParaPr>
+                    <m:oMath xmlns:m="http://schemas.openxmlformats.org/officeDocument/2006/math">
+                      <m:r>
+                        <a:rPr lang="fr-FR" sz="1400" b="0" i="1" smtClean="0">
+                          <a:solidFill>
+                            <a:schemeClr val="tx1"/>
+                          </a:solidFill>
+                          <a:latin typeface="Cambria Math" panose="02040503050406030204" pitchFamily="18" charset="0"/>
+                        </a:rPr>
+                        <m:t>𝑎</m:t>
+                      </m:r>
+                    </m:oMath>
+                  </m:oMathPara>
+                </a14:m>
+                <a:endParaRPr lang="fr-FR" sz="1400" dirty="0">
+                  <a:solidFill>
+                    <a:schemeClr val="tx1"/>
+                  </a:solidFill>
+                </a:endParaRPr>
+              </a:p>
+            </p:txBody>
+          </p:sp>
+        </mc:Choice>
+        <mc:Fallback xmlns="">
+          <p:sp>
+            <p:nvSpPr>
+              <p:cNvPr id="22" name="Rectangle 21">
+                <a:extLst>
+                  <a:ext uri="{FF2B5EF4-FFF2-40B4-BE49-F238E27FC236}">
+                    <a16:creationId xmlns:a16="http://schemas.microsoft.com/office/drawing/2014/main" id="{E3B3B662-DA5D-D09C-C566-54DE73C2E04A}"/>
+                  </a:ext>
+                </a:extLst>
+              </p:cNvPr>
+              <p:cNvSpPr>
+                <a:spLocks noRot="1" noChangeAspect="1" noMove="1" noResize="1" noEditPoints="1" noAdjustHandles="1" noChangeArrowheads="1" noChangeShapeType="1" noTextEdit="1"/>
+              </p:cNvSpPr>
+              <p:nvPr/>
+            </p:nvSpPr>
+            <p:spPr>
+              <a:xfrm>
+                <a:off x="2324780" y="2572787"/>
+                <a:ext cx="765440" cy="462180"/>
+              </a:xfrm>
+              <a:prstGeom prst="rect">
+                <a:avLst/>
+              </a:prstGeom>
+              <a:blipFill>
+                <a:blip r:embed="rId3"/>
+                <a:stretch>
+                  <a:fillRect/>
+                </a:stretch>
+              </a:blipFill>
+              <a:ln>
+                <a:noFill/>
+              </a:ln>
+            </p:spPr>
+            <p:txBody>
+              <a:bodyPr/>
+              <a:lstStyle/>
+              <a:p>
+                <a:r>
+                  <a:rPr lang="fr-FR">
+                    <a:noFill/>
+                  </a:rPr>
+                  <a:t> </a:t>
+                </a:r>
+              </a:p>
+            </p:txBody>
+          </p:sp>
+        </mc:Fallback>
+      </mc:AlternateContent>
+      <p:cxnSp>
+        <p:nvCxnSpPr>
+          <p:cNvPr id="23" name="Connecteur droit 22">
+            <a:extLst>
+              <a:ext uri="{FF2B5EF4-FFF2-40B4-BE49-F238E27FC236}">
+                <a16:creationId xmlns:a16="http://schemas.microsoft.com/office/drawing/2014/main" id="{ECD4DF2D-E856-906C-2A18-6F485FF863B0}"/>
+              </a:ext>
+            </a:extLst>
+          </p:cNvPr>
+          <p:cNvCxnSpPr>
+            <a:cxnSpLocks/>
+          </p:cNvCxnSpPr>
+          <p:nvPr/>
+        </p:nvCxnSpPr>
+        <p:spPr>
+          <a:xfrm flipH="1" flipV="1">
+            <a:off x="2268855" y="1986190"/>
+            <a:ext cx="0" cy="720000"/>
+          </a:xfrm>
+          <a:prstGeom prst="line">
+            <a:avLst/>
+          </a:prstGeom>
+          <a:ln>
+            <a:solidFill>
+              <a:schemeClr val="tx2"/>
+            </a:solidFill>
+            <a:prstDash val="solid"/>
+            <a:headEnd type="stealth" w="med" len="lg"/>
+            <a:tailEnd type="stealth" w="med" len="lg"/>
+          </a:ln>
+        </p:spPr>
+        <p:style>
+          <a:lnRef idx="1">
+            <a:schemeClr val="accent1"/>
+          </a:lnRef>
+          <a:fillRef idx="0">
+            <a:schemeClr val="accent1"/>
+          </a:fillRef>
+          <a:effectRef idx="0">
+            <a:schemeClr val="accent1"/>
+          </a:effectRef>
+          <a:fontRef idx="minor">
+            <a:schemeClr val="tx1"/>
+          </a:fontRef>
+        </p:style>
+      </p:cxnSp>
+      <mc:AlternateContent xmlns:mc="http://schemas.openxmlformats.org/markup-compatibility/2006" xmlns:a14="http://schemas.microsoft.com/office/drawing/2010/main">
+        <mc:Choice Requires="a14">
+          <p:sp>
+            <p:nvSpPr>
+              <p:cNvPr id="26" name="Rectangle 25">
+                <a:extLst>
+                  <a:ext uri="{FF2B5EF4-FFF2-40B4-BE49-F238E27FC236}">
+                    <a16:creationId xmlns:a16="http://schemas.microsoft.com/office/drawing/2014/main" id="{F0DCC08D-9C6F-CF11-4181-211898C374B0}"/>
+                  </a:ext>
+                </a:extLst>
+              </p:cNvPr>
+              <p:cNvSpPr/>
+              <p:nvPr/>
+            </p:nvSpPr>
+            <p:spPr>
+              <a:xfrm>
+                <a:off x="3377195" y="1417264"/>
+                <a:ext cx="765440" cy="462180"/>
+              </a:xfrm>
+              <a:prstGeom prst="rect">
+                <a:avLst/>
+              </a:prstGeom>
+              <a:noFill/>
+              <a:ln>
+                <a:noFill/>
+              </a:ln>
+            </p:spPr>
+            <p:style>
+              <a:lnRef idx="2">
+                <a:schemeClr val="accent1">
+                  <a:shade val="15000"/>
+                </a:schemeClr>
+              </a:lnRef>
+              <a:fillRef idx="1">
+                <a:schemeClr val="accent1"/>
+              </a:fillRef>
+              <a:effectRef idx="0">
+                <a:schemeClr val="accent1"/>
+              </a:effectRef>
+              <a:fontRef idx="minor">
+                <a:schemeClr val="lt1"/>
+              </a:fontRef>
+            </p:style>
+            <p:txBody>
+              <a:bodyPr rtlCol="0" anchor="ctr"/>
+              <a:lstStyle/>
+              <a:p>
+                <a:pPr algn="ctr"/>
+                <a14:m>
+                  <m:oMathPara xmlns:m="http://schemas.openxmlformats.org/officeDocument/2006/math">
+                    <m:oMathParaPr>
+                      <m:jc m:val="centerGroup"/>
+                    </m:oMathParaPr>
+                    <m:oMath xmlns:m="http://schemas.openxmlformats.org/officeDocument/2006/math">
+                      <m:r>
+                        <a:rPr lang="fr-FR" b="0" i="1" smtClean="0">
+                          <a:solidFill>
+                            <a:schemeClr val="tx1"/>
+                          </a:solidFill>
+                          <a:latin typeface="Cambria Math" panose="02040503050406030204" pitchFamily="18" charset="0"/>
+                        </a:rPr>
+                        <m:t>2</m:t>
+                      </m:r>
+                      <m:r>
+                        <a:rPr lang="fr-FR" b="0" i="1" smtClean="0">
+                          <a:solidFill>
+                            <a:schemeClr val="tx1"/>
+                          </a:solidFill>
+                          <a:latin typeface="Cambria Math" panose="02040503050406030204" pitchFamily="18" charset="0"/>
+                        </a:rPr>
+                        <m:t>𝑅</m:t>
+                      </m:r>
+                    </m:oMath>
+                  </m:oMathPara>
+                </a14:m>
+                <a:endParaRPr lang="fr-FR" dirty="0">
+                  <a:solidFill>
+                    <a:schemeClr val="tx1"/>
+                  </a:solidFill>
+                </a:endParaRPr>
+              </a:p>
+            </p:txBody>
+          </p:sp>
+        </mc:Choice>
+        <mc:Fallback xmlns="">
+          <p:sp>
+            <p:nvSpPr>
+              <p:cNvPr id="26" name="Rectangle 25">
+                <a:extLst>
+                  <a:ext uri="{FF2B5EF4-FFF2-40B4-BE49-F238E27FC236}">
+                    <a16:creationId xmlns:a16="http://schemas.microsoft.com/office/drawing/2014/main" id="{F0DCC08D-9C6F-CF11-4181-211898C374B0}"/>
+                  </a:ext>
+                </a:extLst>
+              </p:cNvPr>
+              <p:cNvSpPr>
+                <a:spLocks noRot="1" noChangeAspect="1" noMove="1" noResize="1" noEditPoints="1" noAdjustHandles="1" noChangeArrowheads="1" noChangeShapeType="1" noTextEdit="1"/>
+              </p:cNvSpPr>
+              <p:nvPr/>
+            </p:nvSpPr>
+            <p:spPr>
+              <a:xfrm>
+                <a:off x="3377195" y="1417264"/>
+                <a:ext cx="765440" cy="462180"/>
+              </a:xfrm>
+              <a:prstGeom prst="rect">
+                <a:avLst/>
+              </a:prstGeom>
+              <a:blipFill>
+                <a:blip r:embed="rId4"/>
+                <a:stretch>
+                  <a:fillRect/>
+                </a:stretch>
+              </a:blipFill>
+              <a:ln>
+                <a:noFill/>
+              </a:ln>
+            </p:spPr>
+            <p:txBody>
+              <a:bodyPr/>
+              <a:lstStyle/>
+              <a:p>
+                <a:r>
+                  <a:rPr lang="fr-FR">
+                    <a:noFill/>
+                  </a:rPr>
+                  <a:t> </a:t>
+                </a:r>
+              </a:p>
+            </p:txBody>
+          </p:sp>
+        </mc:Fallback>
+      </mc:AlternateContent>
+      <p:cxnSp>
+        <p:nvCxnSpPr>
+          <p:cNvPr id="27" name="Connecteur droit 26">
+            <a:extLst>
+              <a:ext uri="{FF2B5EF4-FFF2-40B4-BE49-F238E27FC236}">
+                <a16:creationId xmlns:a16="http://schemas.microsoft.com/office/drawing/2014/main" id="{C71D8C23-34CA-9C98-B144-BA7C339EE8B0}"/>
+              </a:ext>
+            </a:extLst>
+          </p:cNvPr>
+          <p:cNvCxnSpPr>
+            <a:cxnSpLocks/>
+          </p:cNvCxnSpPr>
+          <p:nvPr/>
+        </p:nvCxnSpPr>
+        <p:spPr>
+          <a:xfrm flipH="1">
+            <a:off x="3008921" y="1663811"/>
+            <a:ext cx="559779" cy="559779"/>
+          </a:xfrm>
+          <a:prstGeom prst="line">
+            <a:avLst/>
+          </a:prstGeom>
+          <a:ln>
+            <a:solidFill>
+              <a:schemeClr val="tx2"/>
+            </a:solidFill>
+            <a:prstDash val="solid"/>
+            <a:headEnd type="none" w="med" len="lg"/>
+            <a:tailEnd type="stealth" w="med" len="lg"/>
+          </a:ln>
+        </p:spPr>
+        <p:style>
+          <a:lnRef idx="1">
+            <a:schemeClr val="accent1"/>
+          </a:lnRef>
+          <a:fillRef idx="0">
+            <a:schemeClr val="accent1"/>
+          </a:fillRef>
+          <a:effectRef idx="0">
+            <a:schemeClr val="accent1"/>
+          </a:effectRef>
+          <a:fontRef idx="minor">
+            <a:schemeClr val="tx1"/>
+          </a:fontRef>
+        </p:style>
+      </p:cxnSp>
+      <p:sp>
+        <p:nvSpPr>
+          <p:cNvPr id="32" name="Rectangle 31">
+            <a:extLst>
+              <a:ext uri="{FF2B5EF4-FFF2-40B4-BE49-F238E27FC236}">
+                <a16:creationId xmlns:a16="http://schemas.microsoft.com/office/drawing/2014/main" id="{434AE582-C356-DCBB-C03F-A4CFE25E5445}"/>
+              </a:ext>
+            </a:extLst>
+          </p:cNvPr>
+          <p:cNvSpPr/>
+          <p:nvPr/>
+        </p:nvSpPr>
+        <p:spPr>
+          <a:xfrm>
+            <a:off x="2494280" y="1123744"/>
+            <a:ext cx="7200000" cy="360000"/>
+          </a:xfrm>
+          <a:prstGeom prst="rect">
+            <a:avLst/>
+          </a:prstGeom>
+          <a:solidFill>
+            <a:schemeClr val="tx2">
+              <a:lumMod val="20000"/>
+              <a:lumOff val="80000"/>
+            </a:schemeClr>
+          </a:solidFill>
+          <a:ln>
+            <a:solidFill>
+              <a:schemeClr val="tx2"/>
+            </a:solidFill>
+          </a:ln>
+        </p:spPr>
+        <p:style>
+          <a:lnRef idx="2">
+            <a:schemeClr val="accent1">
+              <a:shade val="15000"/>
+            </a:schemeClr>
+          </a:lnRef>
+          <a:fillRef idx="1">
+            <a:schemeClr val="accent1"/>
+          </a:fillRef>
+          <a:effectRef idx="0">
+            <a:schemeClr val="accent1"/>
+          </a:effectRef>
+          <a:fontRef idx="minor">
+            <a:schemeClr val="lt1"/>
+          </a:fontRef>
+        </p:style>
+        <p:txBody>
+          <a:bodyPr rtlCol="0" anchor="ctr"/>
+          <a:lstStyle/>
+          <a:p>
+            <a:pPr algn="ctr"/>
+            <a:endParaRPr lang="fr-FR"/>
+          </a:p>
+        </p:txBody>
+      </p:sp>
+      <p:sp>
+        <p:nvSpPr>
+          <p:cNvPr id="38" name="Rectangle 37">
+            <a:extLst>
+              <a:ext uri="{FF2B5EF4-FFF2-40B4-BE49-F238E27FC236}">
+                <a16:creationId xmlns:a16="http://schemas.microsoft.com/office/drawing/2014/main" id="{909C68D7-8A9D-1005-3DE8-9AF38666FE76}"/>
+              </a:ext>
+            </a:extLst>
+          </p:cNvPr>
+          <p:cNvSpPr/>
+          <p:nvPr/>
+        </p:nvSpPr>
+        <p:spPr>
+          <a:xfrm>
+            <a:off x="2682100" y="1123744"/>
+            <a:ext cx="360000" cy="363835"/>
+          </a:xfrm>
+          <a:prstGeom prst="rect">
+            <a:avLst/>
+          </a:prstGeom>
+          <a:solidFill>
+            <a:schemeClr val="bg1"/>
+          </a:solidFill>
+          <a:ln>
+            <a:solidFill>
+              <a:schemeClr val="tx2"/>
+            </a:solidFill>
+          </a:ln>
+        </p:spPr>
+        <p:style>
+          <a:lnRef idx="2">
+            <a:schemeClr val="accent1">
+              <a:shade val="15000"/>
+            </a:schemeClr>
+          </a:lnRef>
+          <a:fillRef idx="1">
+            <a:schemeClr val="accent1"/>
+          </a:fillRef>
+          <a:effectRef idx="0">
+            <a:schemeClr val="accent1"/>
+          </a:effectRef>
+          <a:fontRef idx="minor">
+            <a:schemeClr val="lt1"/>
+          </a:fontRef>
+        </p:style>
+        <p:txBody>
+          <a:bodyPr rtlCol="0" anchor="ctr"/>
+          <a:lstStyle/>
+          <a:p>
+            <a:pPr algn="ctr"/>
+            <a:endParaRPr lang="fr-FR"/>
+          </a:p>
+        </p:txBody>
+      </p:sp>
+      <p:cxnSp>
+        <p:nvCxnSpPr>
+          <p:cNvPr id="15" name="Connecteur droit 14">
+            <a:extLst>
+              <a:ext uri="{FF2B5EF4-FFF2-40B4-BE49-F238E27FC236}">
+                <a16:creationId xmlns:a16="http://schemas.microsoft.com/office/drawing/2014/main" id="{89EBEE06-F275-D81E-7B3F-94C276B83EE3}"/>
+              </a:ext>
+            </a:extLst>
+          </p:cNvPr>
+          <p:cNvCxnSpPr>
+            <a:cxnSpLocks/>
+          </p:cNvCxnSpPr>
+          <p:nvPr/>
+        </p:nvCxnSpPr>
+        <p:spPr>
+          <a:xfrm>
+            <a:off x="2858680" y="931333"/>
+            <a:ext cx="0" cy="2040466"/>
+          </a:xfrm>
+          <a:prstGeom prst="line">
+            <a:avLst/>
+          </a:prstGeom>
+          <a:ln>
+            <a:solidFill>
+              <a:schemeClr val="tx2"/>
+            </a:solidFill>
+            <a:prstDash val="lgDashDot"/>
+          </a:ln>
+        </p:spPr>
+        <p:style>
+          <a:lnRef idx="1">
+            <a:schemeClr val="accent1"/>
+          </a:lnRef>
+          <a:fillRef idx="0">
+            <a:schemeClr val="accent1"/>
+          </a:fillRef>
+          <a:effectRef idx="0">
+            <a:schemeClr val="accent1"/>
+          </a:effectRef>
+          <a:fontRef idx="minor">
+            <a:schemeClr val="tx1"/>
+          </a:fontRef>
+        </p:style>
+      </p:cxnSp>
+      <p:sp>
+        <p:nvSpPr>
+          <p:cNvPr id="39" name="Rectangle 38">
+            <a:extLst>
+              <a:ext uri="{FF2B5EF4-FFF2-40B4-BE49-F238E27FC236}">
+                <a16:creationId xmlns:a16="http://schemas.microsoft.com/office/drawing/2014/main" id="{F22A468C-2C1A-0662-A21D-363E87D42226}"/>
+              </a:ext>
+            </a:extLst>
+          </p:cNvPr>
+          <p:cNvSpPr/>
+          <p:nvPr/>
+        </p:nvSpPr>
+        <p:spPr>
+          <a:xfrm>
+            <a:off x="9156251" y="1123744"/>
+            <a:ext cx="360000" cy="360000"/>
+          </a:xfrm>
+          <a:prstGeom prst="rect">
+            <a:avLst/>
+          </a:prstGeom>
+          <a:solidFill>
+            <a:schemeClr val="bg1"/>
+          </a:solidFill>
+          <a:ln>
+            <a:solidFill>
+              <a:schemeClr val="tx2"/>
+            </a:solidFill>
+          </a:ln>
+        </p:spPr>
+        <p:style>
+          <a:lnRef idx="2">
+            <a:schemeClr val="accent1">
+              <a:shade val="15000"/>
+            </a:schemeClr>
+          </a:lnRef>
+          <a:fillRef idx="1">
+            <a:schemeClr val="accent1"/>
+          </a:fillRef>
+          <a:effectRef idx="0">
+            <a:schemeClr val="accent1"/>
+          </a:effectRef>
+          <a:fontRef idx="minor">
+            <a:schemeClr val="lt1"/>
+          </a:fontRef>
+        </p:style>
+        <p:txBody>
+          <a:bodyPr rtlCol="0" anchor="ctr"/>
+          <a:lstStyle/>
+          <a:p>
+            <a:pPr algn="ctr"/>
+            <a:endParaRPr lang="fr-FR"/>
+          </a:p>
+        </p:txBody>
+      </p:sp>
+      <p:cxnSp>
+        <p:nvCxnSpPr>
+          <p:cNvPr id="16" name="Connecteur droit 15">
+            <a:extLst>
+              <a:ext uri="{FF2B5EF4-FFF2-40B4-BE49-F238E27FC236}">
+                <a16:creationId xmlns:a16="http://schemas.microsoft.com/office/drawing/2014/main" id="{A1B84E94-8D9E-E5E4-EB71-D245622A7E69}"/>
+              </a:ext>
+            </a:extLst>
+          </p:cNvPr>
+          <p:cNvCxnSpPr>
+            <a:cxnSpLocks/>
+          </p:cNvCxnSpPr>
+          <p:nvPr/>
+        </p:nvCxnSpPr>
+        <p:spPr>
+          <a:xfrm>
+            <a:off x="9333320" y="931333"/>
+            <a:ext cx="3053" cy="1820249"/>
+          </a:xfrm>
+          <a:prstGeom prst="line">
+            <a:avLst/>
+          </a:prstGeom>
+          <a:ln>
+            <a:solidFill>
+              <a:schemeClr val="tx2"/>
+            </a:solidFill>
+            <a:prstDash val="lgDashDot"/>
+          </a:ln>
+        </p:spPr>
+        <p:style>
+          <a:lnRef idx="1">
+            <a:schemeClr val="accent1"/>
+          </a:lnRef>
+          <a:fillRef idx="0">
+            <a:schemeClr val="accent1"/>
+          </a:fillRef>
+          <a:effectRef idx="0">
+            <a:schemeClr val="accent1"/>
+          </a:effectRef>
+          <a:fontRef idx="minor">
+            <a:schemeClr val="tx1"/>
+          </a:fontRef>
+        </p:style>
+      </p:cxnSp>
+      <mc:AlternateContent xmlns:mc="http://schemas.openxmlformats.org/markup-compatibility/2006" xmlns:a14="http://schemas.microsoft.com/office/drawing/2010/main">
+        <mc:Choice Requires="a14">
+          <p:sp>
+            <p:nvSpPr>
+              <p:cNvPr id="40" name="Rectangle 39">
+                <a:extLst>
+                  <a:ext uri="{FF2B5EF4-FFF2-40B4-BE49-F238E27FC236}">
+                    <a16:creationId xmlns:a16="http://schemas.microsoft.com/office/drawing/2014/main" id="{0602631E-5E4F-AF84-97F7-2A81EED25F50}"/>
+                  </a:ext>
+                </a:extLst>
+              </p:cNvPr>
+              <p:cNvSpPr/>
+              <p:nvPr/>
+            </p:nvSpPr>
+            <p:spPr>
+              <a:xfrm>
+                <a:off x="1653720" y="2087309"/>
+                <a:ext cx="765440" cy="462180"/>
+              </a:xfrm>
+              <a:prstGeom prst="rect">
+                <a:avLst/>
+              </a:prstGeom>
+              <a:noFill/>
+              <a:ln>
+                <a:noFill/>
+              </a:ln>
+            </p:spPr>
+            <p:style>
+              <a:lnRef idx="2">
+                <a:schemeClr val="accent1">
+                  <a:shade val="15000"/>
+                </a:schemeClr>
+              </a:lnRef>
+              <a:fillRef idx="1">
+                <a:schemeClr val="accent1"/>
+              </a:fillRef>
+              <a:effectRef idx="0">
+                <a:schemeClr val="accent1"/>
+              </a:effectRef>
+              <a:fontRef idx="minor">
+                <a:schemeClr val="lt1"/>
+              </a:fontRef>
+            </p:style>
+            <p:txBody>
+              <a:bodyPr rtlCol="0" anchor="ctr"/>
+              <a:lstStyle/>
+              <a:p>
+                <a:pPr algn="ctr"/>
+                <a14:m>
+                  <m:oMathPara xmlns:m="http://schemas.openxmlformats.org/officeDocument/2006/math">
+                    <m:oMathParaPr>
+                      <m:jc m:val="centerGroup"/>
+                    </m:oMathParaPr>
+                    <m:oMath xmlns:m="http://schemas.openxmlformats.org/officeDocument/2006/math">
+                      <m:r>
+                        <a:rPr lang="fr-FR" b="0" i="1" smtClean="0">
+                          <a:solidFill>
+                            <a:schemeClr val="tx1"/>
+                          </a:solidFill>
+                          <a:latin typeface="Cambria Math" panose="02040503050406030204" pitchFamily="18" charset="0"/>
+                        </a:rPr>
+                        <m:t>2ℓ</m:t>
+                      </m:r>
+                    </m:oMath>
+                  </m:oMathPara>
+                </a14:m>
+                <a:endParaRPr lang="fr-FR" dirty="0">
+                  <a:solidFill>
+                    <a:schemeClr val="tx1"/>
+                  </a:solidFill>
+                </a:endParaRPr>
+              </a:p>
+            </p:txBody>
+          </p:sp>
+        </mc:Choice>
+        <mc:Fallback xmlns="">
+          <p:sp>
+            <p:nvSpPr>
+              <p:cNvPr id="40" name="Rectangle 39">
+                <a:extLst>
+                  <a:ext uri="{FF2B5EF4-FFF2-40B4-BE49-F238E27FC236}">
+                    <a16:creationId xmlns:a16="http://schemas.microsoft.com/office/drawing/2014/main" id="{0602631E-5E4F-AF84-97F7-2A81EED25F50}"/>
+                  </a:ext>
+                </a:extLst>
+              </p:cNvPr>
+              <p:cNvSpPr>
+                <a:spLocks noRot="1" noChangeAspect="1" noMove="1" noResize="1" noEditPoints="1" noAdjustHandles="1" noChangeArrowheads="1" noChangeShapeType="1" noTextEdit="1"/>
+              </p:cNvSpPr>
+              <p:nvPr/>
+            </p:nvSpPr>
+            <p:spPr>
+              <a:xfrm>
+                <a:off x="1653720" y="2087309"/>
+                <a:ext cx="765440" cy="462180"/>
+              </a:xfrm>
+              <a:prstGeom prst="rect">
+                <a:avLst/>
+              </a:prstGeom>
+              <a:blipFill>
+                <a:blip r:embed="rId5"/>
+                <a:stretch>
+                  <a:fillRect/>
+                </a:stretch>
+              </a:blipFill>
+              <a:ln>
+                <a:noFill/>
+              </a:ln>
+            </p:spPr>
+            <p:txBody>
+              <a:bodyPr/>
+              <a:lstStyle/>
+              <a:p>
+                <a:r>
+                  <a:rPr lang="fr-FR">
+                    <a:noFill/>
+                  </a:rPr>
+                  <a:t> </a:t>
+                </a:r>
+              </a:p>
+            </p:txBody>
+          </p:sp>
+        </mc:Fallback>
+      </mc:AlternateContent>
+      <p:cxnSp>
+        <p:nvCxnSpPr>
+          <p:cNvPr id="41" name="Connecteur droit 40">
+            <a:extLst>
+              <a:ext uri="{FF2B5EF4-FFF2-40B4-BE49-F238E27FC236}">
+                <a16:creationId xmlns:a16="http://schemas.microsoft.com/office/drawing/2014/main" id="{0053302E-5B54-2622-6D70-B991CBED2C8D}"/>
+              </a:ext>
+            </a:extLst>
+          </p:cNvPr>
+          <p:cNvCxnSpPr>
+            <a:cxnSpLocks/>
+          </p:cNvCxnSpPr>
+          <p:nvPr/>
+        </p:nvCxnSpPr>
+        <p:spPr>
+          <a:xfrm flipH="1" flipV="1">
+            <a:off x="2268855" y="1131712"/>
+            <a:ext cx="0" cy="360000"/>
+          </a:xfrm>
+          <a:prstGeom prst="line">
+            <a:avLst/>
+          </a:prstGeom>
+          <a:ln>
+            <a:solidFill>
+              <a:schemeClr val="tx2"/>
+            </a:solidFill>
+            <a:prstDash val="solid"/>
+            <a:headEnd type="stealth" w="med" len="lg"/>
+            <a:tailEnd type="stealth" w="med" len="lg"/>
+          </a:ln>
+        </p:spPr>
+        <p:style>
+          <a:lnRef idx="1">
+            <a:schemeClr val="accent1"/>
+          </a:lnRef>
+          <a:fillRef idx="0">
+            <a:schemeClr val="accent1"/>
+          </a:fillRef>
+          <a:effectRef idx="0">
+            <a:schemeClr val="accent1"/>
+          </a:effectRef>
+          <a:fontRef idx="minor">
+            <a:schemeClr val="tx1"/>
+          </a:fontRef>
+        </p:style>
+      </p:cxnSp>
+      <mc:AlternateContent xmlns:mc="http://schemas.openxmlformats.org/markup-compatibility/2006" xmlns:a14="http://schemas.microsoft.com/office/drawing/2010/main">
+        <mc:Choice Requires="a14">
+          <p:sp>
+            <p:nvSpPr>
+              <p:cNvPr id="42" name="Rectangle 41">
+                <a:extLst>
+                  <a:ext uri="{FF2B5EF4-FFF2-40B4-BE49-F238E27FC236}">
+                    <a16:creationId xmlns:a16="http://schemas.microsoft.com/office/drawing/2014/main" id="{8AFC7151-2198-FE37-53C1-BDE65B68E2B7}"/>
+                  </a:ext>
+                </a:extLst>
+              </p:cNvPr>
+              <p:cNvSpPr/>
+              <p:nvPr/>
+            </p:nvSpPr>
+            <p:spPr>
+              <a:xfrm>
+                <a:off x="1693587" y="1070139"/>
+                <a:ext cx="765440" cy="462180"/>
+              </a:xfrm>
+              <a:prstGeom prst="rect">
+                <a:avLst/>
+              </a:prstGeom>
+              <a:noFill/>
+              <a:ln>
+                <a:noFill/>
+              </a:ln>
+            </p:spPr>
+            <p:style>
+              <a:lnRef idx="2">
+                <a:schemeClr val="accent1">
+                  <a:shade val="15000"/>
+                </a:schemeClr>
+              </a:lnRef>
+              <a:fillRef idx="1">
+                <a:schemeClr val="accent1"/>
+              </a:fillRef>
+              <a:effectRef idx="0">
+                <a:schemeClr val="accent1"/>
+              </a:effectRef>
+              <a:fontRef idx="minor">
+                <a:schemeClr val="lt1"/>
+              </a:fontRef>
+            </p:style>
+            <p:txBody>
+              <a:bodyPr rtlCol="0" anchor="ctr"/>
+              <a:lstStyle/>
+              <a:p>
+                <a:pPr algn="ctr"/>
+                <a14:m>
+                  <m:oMathPara xmlns:m="http://schemas.openxmlformats.org/officeDocument/2006/math">
+                    <m:oMathParaPr>
+                      <m:jc m:val="centerGroup"/>
+                    </m:oMathParaPr>
+                    <m:oMath xmlns:m="http://schemas.openxmlformats.org/officeDocument/2006/math">
+                      <m:r>
+                        <a:rPr lang="fr-FR" b="0" i="1" smtClean="0">
+                          <a:solidFill>
+                            <a:schemeClr val="tx1"/>
+                          </a:solidFill>
+                          <a:latin typeface="Cambria Math" panose="02040503050406030204" pitchFamily="18" charset="0"/>
+                        </a:rPr>
+                        <m:t>2</m:t>
+                      </m:r>
+                      <m:r>
+                        <a:rPr lang="fr-FR" b="0" i="1" smtClean="0">
+                          <a:solidFill>
+                            <a:schemeClr val="tx1"/>
+                          </a:solidFill>
+                          <a:latin typeface="Cambria Math" panose="02040503050406030204" pitchFamily="18" charset="0"/>
+                        </a:rPr>
+                        <m:t>h</m:t>
+                      </m:r>
+                    </m:oMath>
+                  </m:oMathPara>
+                </a14:m>
+                <a:endParaRPr lang="fr-FR" dirty="0">
+                  <a:solidFill>
+                    <a:schemeClr val="tx1"/>
+                  </a:solidFill>
+                </a:endParaRPr>
+              </a:p>
+            </p:txBody>
+          </p:sp>
+        </mc:Choice>
+        <mc:Fallback xmlns="">
+          <p:sp>
+            <p:nvSpPr>
+              <p:cNvPr id="42" name="Rectangle 41">
+                <a:extLst>
+                  <a:ext uri="{FF2B5EF4-FFF2-40B4-BE49-F238E27FC236}">
+                    <a16:creationId xmlns:a16="http://schemas.microsoft.com/office/drawing/2014/main" id="{8AFC7151-2198-FE37-53C1-BDE65B68E2B7}"/>
+                  </a:ext>
+                </a:extLst>
+              </p:cNvPr>
+              <p:cNvSpPr>
+                <a:spLocks noRot="1" noChangeAspect="1" noMove="1" noResize="1" noEditPoints="1" noAdjustHandles="1" noChangeArrowheads="1" noChangeShapeType="1" noTextEdit="1"/>
+              </p:cNvSpPr>
+              <p:nvPr/>
+            </p:nvSpPr>
+            <p:spPr>
+              <a:xfrm>
+                <a:off x="1693587" y="1070139"/>
+                <a:ext cx="765440" cy="462180"/>
+              </a:xfrm>
+              <a:prstGeom prst="rect">
+                <a:avLst/>
+              </a:prstGeom>
+              <a:blipFill>
+                <a:blip r:embed="rId6"/>
+                <a:stretch>
+                  <a:fillRect/>
+                </a:stretch>
+              </a:blipFill>
+              <a:ln>
+                <a:noFill/>
+              </a:ln>
+            </p:spPr>
+            <p:txBody>
+              <a:bodyPr/>
+              <a:lstStyle/>
+              <a:p>
+                <a:r>
+                  <a:rPr lang="fr-FR">
+                    <a:noFill/>
+                  </a:rPr>
+                  <a:t> </a:t>
+                </a:r>
+              </a:p>
+            </p:txBody>
+          </p:sp>
+        </mc:Fallback>
+      </mc:AlternateContent>
+      <mc:AlternateContent xmlns:mc="http://schemas.openxmlformats.org/markup-compatibility/2006" xmlns:a14="http://schemas.microsoft.com/office/drawing/2010/main">
+        <mc:Choice Requires="a14">
+          <p:sp>
+            <p:nvSpPr>
+              <p:cNvPr id="60" name="ZoneTexte 59">
+                <a:extLst>
+                  <a:ext uri="{FF2B5EF4-FFF2-40B4-BE49-F238E27FC236}">
+                    <a16:creationId xmlns:a16="http://schemas.microsoft.com/office/drawing/2014/main" id="{3B92F577-B1ED-DE1A-D2C5-7631D6410980}"/>
+                  </a:ext>
+                </a:extLst>
+              </p:cNvPr>
+              <p:cNvSpPr txBox="1"/>
+              <p:nvPr/>
+            </p:nvSpPr>
+            <p:spPr>
+              <a:xfrm>
+                <a:off x="10230720" y="2043079"/>
+                <a:ext cx="161711" cy="246221"/>
+              </a:xfrm>
+              <a:prstGeom prst="rect">
+                <a:avLst/>
+              </a:prstGeom>
+              <a:noFill/>
+            </p:spPr>
+            <p:txBody>
+              <a:bodyPr wrap="none" lIns="0" tIns="0" rIns="0" bIns="0" rtlCol="0">
+                <a:spAutoFit/>
+              </a:bodyPr>
+              <a:lstStyle/>
+              <a:p>
+                <a:pPr/>
+                <a14:m>
+                  <m:oMathPara xmlns:m="http://schemas.openxmlformats.org/officeDocument/2006/math">
+                    <m:oMathParaPr>
+                      <m:jc m:val="centerGroup"/>
+                    </m:oMathParaPr>
+                    <m:oMath xmlns:m="http://schemas.openxmlformats.org/officeDocument/2006/math">
+                      <m:acc>
+                        <m:accPr>
+                          <m:chr m:val="⃗"/>
+                          <m:ctrlPr>
+                            <a:rPr lang="fr-FR" sz="1600" i="1">
+                              <a:latin typeface="Cambria Math" panose="02040503050406030204" pitchFamily="18" charset="0"/>
+                            </a:rPr>
+                          </m:ctrlPr>
+                        </m:accPr>
+                        <m:e>
+                          <m:r>
+                            <a:rPr lang="fr-FR" sz="1600" i="1">
+                              <a:latin typeface="Cambria Math" panose="02040503050406030204" pitchFamily="18" charset="0"/>
+                            </a:rPr>
+                            <m:t>𝑥</m:t>
+                          </m:r>
+                        </m:e>
+                      </m:acc>
+                    </m:oMath>
+                  </m:oMathPara>
+                </a14:m>
+                <a:endParaRPr lang="fr-FR" sz="1600" dirty="0"/>
+              </a:p>
+            </p:txBody>
+          </p:sp>
+        </mc:Choice>
+        <mc:Fallback xmlns="">
+          <p:sp>
+            <p:nvSpPr>
+              <p:cNvPr id="60" name="ZoneTexte 59">
+                <a:extLst>
+                  <a:ext uri="{FF2B5EF4-FFF2-40B4-BE49-F238E27FC236}">
+                    <a16:creationId xmlns:a16="http://schemas.microsoft.com/office/drawing/2014/main" id="{3B92F577-B1ED-DE1A-D2C5-7631D6410980}"/>
+                  </a:ext>
+                </a:extLst>
+              </p:cNvPr>
+              <p:cNvSpPr txBox="1">
+                <a:spLocks noRot="1" noChangeAspect="1" noMove="1" noResize="1" noEditPoints="1" noAdjustHandles="1" noChangeArrowheads="1" noChangeShapeType="1" noTextEdit="1"/>
+              </p:cNvSpPr>
+              <p:nvPr/>
+            </p:nvSpPr>
+            <p:spPr>
+              <a:xfrm>
+                <a:off x="10230720" y="2043079"/>
+                <a:ext cx="161711" cy="246221"/>
+              </a:xfrm>
+              <a:prstGeom prst="rect">
+                <a:avLst/>
+              </a:prstGeom>
+              <a:blipFill>
+                <a:blip r:embed="rId7"/>
+                <a:stretch>
+                  <a:fillRect l="-22222" t="-36585" r="-96296" b="-2439"/>
+                </a:stretch>
+              </a:blipFill>
+            </p:spPr>
+            <p:txBody>
+              <a:bodyPr/>
+              <a:lstStyle/>
+              <a:p>
+                <a:r>
+                  <a:rPr lang="fr-FR">
+                    <a:noFill/>
+                  </a:rPr>
+                  <a:t> </a:t>
+                </a:r>
+              </a:p>
+            </p:txBody>
+          </p:sp>
+        </mc:Fallback>
+      </mc:AlternateContent>
+      <mc:AlternateContent xmlns:mc="http://schemas.openxmlformats.org/markup-compatibility/2006" xmlns:a14="http://schemas.microsoft.com/office/drawing/2010/main">
+        <mc:Choice Requires="a14">
+          <p:sp>
+            <p:nvSpPr>
+              <p:cNvPr id="63" name="ZoneTexte 62">
+                <a:extLst>
+                  <a:ext uri="{FF2B5EF4-FFF2-40B4-BE49-F238E27FC236}">
+                    <a16:creationId xmlns:a16="http://schemas.microsoft.com/office/drawing/2014/main" id="{398F8337-DABB-16D7-B7F6-690D97A5D7C4}"/>
+                  </a:ext>
+                </a:extLst>
+              </p:cNvPr>
+              <p:cNvSpPr txBox="1"/>
+              <p:nvPr/>
+            </p:nvSpPr>
+            <p:spPr>
+              <a:xfrm>
+                <a:off x="2659354" y="1548041"/>
+                <a:ext cx="165430" cy="246221"/>
+              </a:xfrm>
+              <a:prstGeom prst="rect">
+                <a:avLst/>
+              </a:prstGeom>
+              <a:noFill/>
+            </p:spPr>
+            <p:txBody>
+              <a:bodyPr wrap="none" lIns="0" tIns="0" rIns="0" bIns="0" rtlCol="0">
+                <a:spAutoFit/>
+              </a:bodyPr>
+              <a:lstStyle/>
+              <a:p>
+                <a:pPr/>
+                <a14:m>
+                  <m:oMathPara xmlns:m="http://schemas.openxmlformats.org/officeDocument/2006/math">
+                    <m:oMathParaPr>
+                      <m:jc m:val="centerGroup"/>
+                    </m:oMathParaPr>
+                    <m:oMath xmlns:m="http://schemas.openxmlformats.org/officeDocument/2006/math">
+                      <m:acc>
+                        <m:accPr>
+                          <m:chr m:val="⃗"/>
+                          <m:ctrlPr>
+                            <a:rPr lang="fr-FR" sz="1600" i="1">
+                              <a:latin typeface="Cambria Math" panose="02040503050406030204" pitchFamily="18" charset="0"/>
+                            </a:rPr>
+                          </m:ctrlPr>
+                        </m:accPr>
+                        <m:e>
+                          <m:r>
+                            <a:rPr lang="fr-FR" sz="1600" i="1">
+                              <a:latin typeface="Cambria Math" panose="02040503050406030204" pitchFamily="18" charset="0"/>
+                            </a:rPr>
+                            <m:t>𝑦</m:t>
+                          </m:r>
+                        </m:e>
+                      </m:acc>
+                    </m:oMath>
+                  </m:oMathPara>
+                </a14:m>
+                <a:endParaRPr lang="fr-FR" sz="1600" dirty="0"/>
+              </a:p>
+            </p:txBody>
+          </p:sp>
+        </mc:Choice>
+        <mc:Fallback xmlns="">
+          <p:sp>
+            <p:nvSpPr>
+              <p:cNvPr id="63" name="ZoneTexte 62">
+                <a:extLst>
+                  <a:ext uri="{FF2B5EF4-FFF2-40B4-BE49-F238E27FC236}">
+                    <a16:creationId xmlns:a16="http://schemas.microsoft.com/office/drawing/2014/main" id="{398F8337-DABB-16D7-B7F6-690D97A5D7C4}"/>
+                  </a:ext>
+                </a:extLst>
+              </p:cNvPr>
+              <p:cNvSpPr txBox="1">
+                <a:spLocks noRot="1" noChangeAspect="1" noMove="1" noResize="1" noEditPoints="1" noAdjustHandles="1" noChangeArrowheads="1" noChangeShapeType="1" noTextEdit="1"/>
+              </p:cNvSpPr>
+              <p:nvPr/>
+            </p:nvSpPr>
+            <p:spPr>
+              <a:xfrm>
+                <a:off x="2659354" y="1548041"/>
+                <a:ext cx="165430" cy="246221"/>
+              </a:xfrm>
+              <a:prstGeom prst="rect">
+                <a:avLst/>
+              </a:prstGeom>
+              <a:blipFill>
+                <a:blip r:embed="rId8"/>
+                <a:stretch>
+                  <a:fillRect l="-29630" t="-40000" r="-100000" b="-25000"/>
+                </a:stretch>
+              </a:blipFill>
+            </p:spPr>
+            <p:txBody>
+              <a:bodyPr/>
+              <a:lstStyle/>
+              <a:p>
+                <a:r>
+                  <a:rPr lang="fr-FR">
+                    <a:noFill/>
+                  </a:rPr>
+                  <a:t> </a:t>
+                </a:r>
+              </a:p>
+            </p:txBody>
+          </p:sp>
+        </mc:Fallback>
+      </mc:AlternateContent>
+      <mc:AlternateContent xmlns:mc="http://schemas.openxmlformats.org/markup-compatibility/2006" xmlns:a14="http://schemas.microsoft.com/office/drawing/2010/main">
+        <mc:Choice Requires="a14">
+          <p:sp>
+            <p:nvSpPr>
+              <p:cNvPr id="69" name="ZoneTexte 68">
+                <a:extLst>
+                  <a:ext uri="{FF2B5EF4-FFF2-40B4-BE49-F238E27FC236}">
+                    <a16:creationId xmlns:a16="http://schemas.microsoft.com/office/drawing/2014/main" id="{8A4F0193-89B0-88C3-0AE7-18339F719EB7}"/>
+                  </a:ext>
+                </a:extLst>
+              </p:cNvPr>
+              <p:cNvSpPr txBox="1"/>
+              <p:nvPr/>
+            </p:nvSpPr>
+            <p:spPr>
+              <a:xfrm>
+                <a:off x="2775965" y="551487"/>
+                <a:ext cx="149400" cy="246221"/>
+              </a:xfrm>
+              <a:prstGeom prst="rect">
+                <a:avLst/>
+              </a:prstGeom>
+              <a:noFill/>
+            </p:spPr>
+            <p:txBody>
+              <a:bodyPr wrap="none" lIns="0" tIns="0" rIns="0" bIns="0" rtlCol="0">
+                <a:spAutoFit/>
+              </a:bodyPr>
+              <a:lstStyle/>
+              <a:p>
+                <a:pPr/>
+                <a14:m>
+                  <m:oMathPara xmlns:m="http://schemas.openxmlformats.org/officeDocument/2006/math">
+                    <m:oMathParaPr>
+                      <m:jc m:val="centerGroup"/>
+                    </m:oMathParaPr>
+                    <m:oMath xmlns:m="http://schemas.openxmlformats.org/officeDocument/2006/math">
+                      <m:acc>
+                        <m:accPr>
+                          <m:chr m:val="⃗"/>
+                          <m:ctrlPr>
+                            <a:rPr lang="fr-FR" sz="1600" i="1" smtClean="0">
+                              <a:latin typeface="Cambria Math" panose="02040503050406030204" pitchFamily="18" charset="0"/>
+                            </a:rPr>
+                          </m:ctrlPr>
+                        </m:accPr>
+                        <m:e>
+                          <m:r>
+                            <a:rPr lang="fr-FR" sz="1600" b="0" i="1" smtClean="0">
+                              <a:latin typeface="Cambria Math" panose="02040503050406030204" pitchFamily="18" charset="0"/>
+                            </a:rPr>
+                            <m:t>𝑧</m:t>
+                          </m:r>
+                        </m:e>
+                      </m:acc>
+                    </m:oMath>
+                  </m:oMathPara>
+                </a14:m>
+                <a:endParaRPr lang="fr-FR" sz="1600" dirty="0"/>
+              </a:p>
+            </p:txBody>
+          </p:sp>
+        </mc:Choice>
+        <mc:Fallback xmlns="">
+          <p:sp>
+            <p:nvSpPr>
+              <p:cNvPr id="69" name="ZoneTexte 68">
+                <a:extLst>
+                  <a:ext uri="{FF2B5EF4-FFF2-40B4-BE49-F238E27FC236}">
+                    <a16:creationId xmlns:a16="http://schemas.microsoft.com/office/drawing/2014/main" id="{8A4F0193-89B0-88C3-0AE7-18339F719EB7}"/>
+                  </a:ext>
+                </a:extLst>
+              </p:cNvPr>
+              <p:cNvSpPr txBox="1">
+                <a:spLocks noRot="1" noChangeAspect="1" noMove="1" noResize="1" noEditPoints="1" noAdjustHandles="1" noChangeArrowheads="1" noChangeShapeType="1" noTextEdit="1"/>
+              </p:cNvSpPr>
+              <p:nvPr/>
+            </p:nvSpPr>
+            <p:spPr>
+              <a:xfrm>
+                <a:off x="2775965" y="551487"/>
+                <a:ext cx="149400" cy="246221"/>
+              </a:xfrm>
+              <a:prstGeom prst="rect">
+                <a:avLst/>
+              </a:prstGeom>
+              <a:blipFill>
+                <a:blip r:embed="rId9"/>
+                <a:stretch>
+                  <a:fillRect l="-24000" t="-36585" r="-104000" b="-2439"/>
+                </a:stretch>
+              </a:blipFill>
+            </p:spPr>
+            <p:txBody>
+              <a:bodyPr/>
+              <a:lstStyle/>
+              <a:p>
+                <a:r>
+                  <a:rPr lang="fr-FR">
+                    <a:noFill/>
+                  </a:rPr>
+                  <a:t> </a:t>
+                </a:r>
+              </a:p>
+            </p:txBody>
+          </p:sp>
+        </mc:Fallback>
+      </mc:AlternateContent>
+      <mc:AlternateContent xmlns:mc="http://schemas.openxmlformats.org/markup-compatibility/2006">
+        <mc:Choice xmlns:a14="http://schemas.microsoft.com/office/drawing/2010/main" Requires="a14">
+          <p:sp>
+            <p:nvSpPr>
+              <p:cNvPr id="2" name="Rectangle 1">
+                <a:extLst>
+                  <a:ext uri="{FF2B5EF4-FFF2-40B4-BE49-F238E27FC236}">
+                    <a16:creationId xmlns:a16="http://schemas.microsoft.com/office/drawing/2014/main" id="{9E25EB4D-EA26-D2AD-0063-D2AB430492B5}"/>
+                  </a:ext>
+                </a:extLst>
+              </p:cNvPr>
+              <p:cNvSpPr/>
+              <p:nvPr/>
+            </p:nvSpPr>
+            <p:spPr>
+              <a:xfrm>
+                <a:off x="2688255" y="2322272"/>
+                <a:ext cx="765440" cy="462180"/>
+              </a:xfrm>
+              <a:prstGeom prst="rect">
+                <a:avLst/>
+              </a:prstGeom>
+              <a:noFill/>
+              <a:ln>
+                <a:noFill/>
+              </a:ln>
+            </p:spPr>
+            <p:style>
+              <a:lnRef idx="2">
+                <a:schemeClr val="accent1">
+                  <a:shade val="15000"/>
+                </a:schemeClr>
+              </a:lnRef>
+              <a:fillRef idx="1">
+                <a:schemeClr val="accent1"/>
+              </a:fillRef>
+              <a:effectRef idx="0">
+                <a:schemeClr val="accent1"/>
+              </a:effectRef>
+              <a:fontRef idx="minor">
+                <a:schemeClr val="lt1"/>
+              </a:fontRef>
+            </p:style>
+            <p:txBody>
+              <a:bodyPr rtlCol="0" anchor="ctr"/>
+              <a:lstStyle/>
+              <a:p>
+                <a:pPr algn="ctr"/>
+                <a14:m>
+                  <m:oMathPara xmlns:m="http://schemas.openxmlformats.org/officeDocument/2006/math">
+                    <m:oMathParaPr>
+                      <m:jc m:val="centerGroup"/>
+                    </m:oMathParaPr>
+                    <m:oMath xmlns:m="http://schemas.openxmlformats.org/officeDocument/2006/math">
+                      <m:r>
+                        <a:rPr lang="fr-FR" b="0" i="1" smtClean="0">
+                          <a:solidFill>
+                            <a:schemeClr val="tx1"/>
+                          </a:solidFill>
+                          <a:latin typeface="Cambria Math" panose="02040503050406030204" pitchFamily="18" charset="0"/>
+                        </a:rPr>
+                        <m:t>𝑂</m:t>
+                      </m:r>
+                    </m:oMath>
+                  </m:oMathPara>
+                </a14:m>
+                <a:endParaRPr lang="fr-FR" dirty="0">
+                  <a:solidFill>
+                    <a:schemeClr val="tx1"/>
+                  </a:solidFill>
+                </a:endParaRPr>
+              </a:p>
+            </p:txBody>
+          </p:sp>
+        </mc:Choice>
+        <mc:Fallback>
+          <p:sp>
+            <p:nvSpPr>
+              <p:cNvPr id="2" name="Rectangle 1">
+                <a:extLst>
+                  <a:ext uri="{FF2B5EF4-FFF2-40B4-BE49-F238E27FC236}">
+                    <a16:creationId xmlns:a16="http://schemas.microsoft.com/office/drawing/2014/main" id="{9E25EB4D-EA26-D2AD-0063-D2AB430492B5}"/>
+                  </a:ext>
+                </a:extLst>
+              </p:cNvPr>
+              <p:cNvSpPr>
+                <a:spLocks noRot="1" noChangeAspect="1" noMove="1" noResize="1" noEditPoints="1" noAdjustHandles="1" noChangeArrowheads="1" noChangeShapeType="1" noTextEdit="1"/>
+              </p:cNvSpPr>
+              <p:nvPr/>
+            </p:nvSpPr>
+            <p:spPr>
+              <a:xfrm>
+                <a:off x="2688255" y="2322272"/>
+                <a:ext cx="765440" cy="462180"/>
+              </a:xfrm>
+              <a:prstGeom prst="rect">
+                <a:avLst/>
+              </a:prstGeom>
+              <a:blipFill>
+                <a:blip r:embed="rId10"/>
+                <a:stretch>
+                  <a:fillRect/>
+                </a:stretch>
+              </a:blipFill>
+              <a:ln>
+                <a:noFill/>
+              </a:ln>
+            </p:spPr>
+            <p:txBody>
+              <a:bodyPr/>
+              <a:lstStyle/>
+              <a:p>
+                <a:r>
+                  <a:rPr lang="fr-FR">
+                    <a:noFill/>
+                  </a:rPr>
+                  <a:t> </a:t>
+                </a:r>
+              </a:p>
+            </p:txBody>
+          </p:sp>
+        </mc:Fallback>
+      </mc:AlternateContent>
+      <mc:AlternateContent xmlns:mc="http://schemas.openxmlformats.org/markup-compatibility/2006">
+        <mc:Choice xmlns:a14="http://schemas.microsoft.com/office/drawing/2010/main" Requires="a14">
+          <p:sp>
+            <p:nvSpPr>
+              <p:cNvPr id="8" name="Rectangle 7">
+                <a:extLst>
+                  <a:ext uri="{FF2B5EF4-FFF2-40B4-BE49-F238E27FC236}">
+                    <a16:creationId xmlns:a16="http://schemas.microsoft.com/office/drawing/2014/main" id="{07A724E0-6A23-98AB-D2E2-538F9D209B88}"/>
+                  </a:ext>
+                </a:extLst>
+              </p:cNvPr>
+              <p:cNvSpPr/>
+              <p:nvPr/>
+            </p:nvSpPr>
+            <p:spPr>
+              <a:xfrm>
+                <a:off x="5878340" y="1986180"/>
+                <a:ext cx="765440" cy="462180"/>
+              </a:xfrm>
+              <a:prstGeom prst="rect">
+                <a:avLst/>
+              </a:prstGeom>
+              <a:noFill/>
+              <a:ln>
+                <a:noFill/>
+              </a:ln>
+            </p:spPr>
+            <p:style>
+              <a:lnRef idx="2">
+                <a:schemeClr val="accent1">
+                  <a:shade val="15000"/>
+                </a:schemeClr>
+              </a:lnRef>
+              <a:fillRef idx="1">
+                <a:schemeClr val="accent1"/>
+              </a:fillRef>
+              <a:effectRef idx="0">
+                <a:schemeClr val="accent1"/>
+              </a:effectRef>
+              <a:fontRef idx="minor">
+                <a:schemeClr val="lt1"/>
+              </a:fontRef>
+            </p:style>
+            <p:txBody>
+              <a:bodyPr rtlCol="0" anchor="ctr"/>
+              <a:lstStyle/>
+              <a:p>
+                <a:pPr algn="ctr"/>
+                <a14:m>
+                  <m:oMathPara xmlns:m="http://schemas.openxmlformats.org/officeDocument/2006/math">
+                    <m:oMathParaPr>
+                      <m:jc m:val="centerGroup"/>
+                    </m:oMathParaPr>
+                    <m:oMath xmlns:m="http://schemas.openxmlformats.org/officeDocument/2006/math">
+                      <m:r>
+                        <a:rPr lang="fr-FR" b="0" i="1" smtClean="0">
+                          <a:solidFill>
+                            <a:schemeClr val="tx1"/>
+                          </a:solidFill>
+                          <a:latin typeface="Cambria Math" panose="02040503050406030204" pitchFamily="18" charset="0"/>
+                        </a:rPr>
+                        <m:t>𝐺</m:t>
+                      </m:r>
+                    </m:oMath>
+                  </m:oMathPara>
+                </a14:m>
+                <a:endParaRPr lang="fr-FR" dirty="0">
+                  <a:solidFill>
+                    <a:schemeClr val="tx1"/>
+                  </a:solidFill>
+                </a:endParaRPr>
+              </a:p>
+            </p:txBody>
+          </p:sp>
+        </mc:Choice>
+        <mc:Fallback>
+          <p:sp>
+            <p:nvSpPr>
+              <p:cNvPr id="8" name="Rectangle 7">
+                <a:extLst>
+                  <a:ext uri="{FF2B5EF4-FFF2-40B4-BE49-F238E27FC236}">
+                    <a16:creationId xmlns:a16="http://schemas.microsoft.com/office/drawing/2014/main" id="{07A724E0-6A23-98AB-D2E2-538F9D209B88}"/>
+                  </a:ext>
+                </a:extLst>
+              </p:cNvPr>
+              <p:cNvSpPr>
+                <a:spLocks noRot="1" noChangeAspect="1" noMove="1" noResize="1" noEditPoints="1" noAdjustHandles="1" noChangeArrowheads="1" noChangeShapeType="1" noTextEdit="1"/>
+              </p:cNvSpPr>
+              <p:nvPr/>
+            </p:nvSpPr>
+            <p:spPr>
+              <a:xfrm>
+                <a:off x="5878340" y="1986180"/>
+                <a:ext cx="765440" cy="462180"/>
+              </a:xfrm>
+              <a:prstGeom prst="rect">
+                <a:avLst/>
+              </a:prstGeom>
+              <a:blipFill>
+                <a:blip r:embed="rId11"/>
+                <a:stretch>
+                  <a:fillRect/>
+                </a:stretch>
+              </a:blipFill>
+              <a:ln>
+                <a:noFill/>
+              </a:ln>
+            </p:spPr>
+            <p:txBody>
+              <a:bodyPr/>
+              <a:lstStyle/>
+              <a:p>
+                <a:r>
+                  <a:rPr lang="fr-FR">
+                    <a:noFill/>
+                  </a:rPr>
+                  <a:t> </a:t>
+                </a:r>
+              </a:p>
+            </p:txBody>
+          </p:sp>
+        </mc:Fallback>
+      </mc:AlternateContent>
+    </p:spTree>
+    <p:extLst>
+      <p:ext uri="{BB962C8B-B14F-4D97-AF65-F5344CB8AC3E}">
+        <p14:creationId xmlns:p14="http://schemas.microsoft.com/office/powerpoint/2010/main" val="2785701997"/>
+      </p:ext>
+    </p:extLst>
+  </p:cSld>
+  <p:clrMapOvr>
+    <a:masterClrMapping/>
+  </p:clrMapOvr>
+</p:sld>
+</file>
+
 <file path=ppt/theme/theme1.xml><?xml version="1.0" encoding="utf-8"?>
 <a:theme xmlns:a="http://schemas.openxmlformats.org/drawingml/2006/main" name="Thème Office">
   <a:themeElements>
